--- a/doc/Slides.pptx
+++ b/doc/Slides.pptx
@@ -5,7 +5,7 @@
     <p:sldMasterId id="2147483648" r:id="rId1"/>
   </p:sldMasterIdLst>
   <p:notesMasterIdLst>
-    <p:notesMasterId r:id="rId18"/>
+    <p:notesMasterId r:id="rId16"/>
   </p:notesMasterIdLst>
   <p:sldIdLst>
     <p:sldId id="256" r:id="rId2"/>
@@ -21,9 +21,7 @@
     <p:sldId id="545" r:id="rId12"/>
     <p:sldId id="541" r:id="rId13"/>
     <p:sldId id="546" r:id="rId14"/>
-    <p:sldId id="542" r:id="rId15"/>
-    <p:sldId id="547" r:id="rId16"/>
-    <p:sldId id="548" r:id="rId17"/>
+    <p:sldId id="548" r:id="rId15"/>
   </p:sldIdLst>
   <p:sldSz cx="12192000" cy="6858000"/>
   <p:notesSz cx="6858000" cy="9144000"/>
@@ -212,7 +210,7 @@
           <a:p>
             <a:fld id="{4BEA2F12-1D68-4B23-BFFA-82D5F34FCD93}" type="datetimeFigureOut">
               <a:rPr lang="en-GB" smtClean="0"/>
-              <a:t>17/05/2019</a:t>
+              <a:t>18/05/2019</a:t>
             </a:fld>
             <a:endParaRPr lang="en-GB"/>
           </a:p>
@@ -900,90 +898,6 @@
 </p:notes>
 </file>
 
-<file path=ppt/notesSlides/notesSlide6.xml><?xml version="1.0" encoding="utf-8"?>
-<p:notes xmlns:a="http://schemas.openxmlformats.org/drawingml/2006/main" xmlns:r="http://schemas.openxmlformats.org/officeDocument/2006/relationships" xmlns:p="http://schemas.openxmlformats.org/presentationml/2006/main">
-  <p:cSld>
-    <p:spTree>
-      <p:nvGrpSpPr>
-        <p:cNvPr id="1" name=""/>
-        <p:cNvGrpSpPr/>
-        <p:nvPr/>
-      </p:nvGrpSpPr>
-      <p:grpSpPr>
-        <a:xfrm>
-          <a:off x="0" y="0"/>
-          <a:ext cx="0" cy="0"/>
-          <a:chOff x="0" y="0"/>
-          <a:chExt cx="0" cy="0"/>
-        </a:xfrm>
-      </p:grpSpPr>
-      <p:sp>
-        <p:nvSpPr>
-          <p:cNvPr id="2" name="Marcador de imagen de diapositiva 1"/>
-          <p:cNvSpPr>
-            <a:spLocks noGrp="1" noRot="1" noChangeAspect="1"/>
-          </p:cNvSpPr>
-          <p:nvPr>
-            <p:ph type="sldImg"/>
-          </p:nvPr>
-        </p:nvSpPr>
-        <p:spPr/>
-      </p:sp>
-      <p:sp>
-        <p:nvSpPr>
-          <p:cNvPr id="3" name="Marcador de notas 2"/>
-          <p:cNvSpPr>
-            <a:spLocks noGrp="1"/>
-          </p:cNvSpPr>
-          <p:nvPr>
-            <p:ph type="body" idx="1"/>
-          </p:nvPr>
-        </p:nvSpPr>
-        <p:spPr/>
-        <p:txBody>
-          <a:bodyPr/>
-          <a:lstStyle/>
-          <a:p>
-            <a:endParaRPr lang="es-ES" dirty="0"/>
-          </a:p>
-        </p:txBody>
-      </p:sp>
-      <p:sp>
-        <p:nvSpPr>
-          <p:cNvPr id="4" name="Marcador de número de diapositiva 3"/>
-          <p:cNvSpPr>
-            <a:spLocks noGrp="1"/>
-          </p:cNvSpPr>
-          <p:nvPr>
-            <p:ph type="sldNum" sz="quarter" idx="5"/>
-          </p:nvPr>
-        </p:nvSpPr>
-        <p:spPr/>
-        <p:txBody>
-          <a:bodyPr/>
-          <a:lstStyle/>
-          <a:p>
-            <a:fld id="{4064A521-9A2B-B24D-B10A-BF9F6CB1E635}" type="slidenum">
-              <a:rPr lang="es-ES" smtClean="0"/>
-              <a:t>14</a:t>
-            </a:fld>
-            <a:endParaRPr lang="es-ES"/>
-          </a:p>
-        </p:txBody>
-      </p:sp>
-    </p:spTree>
-    <p:extLst>
-      <p:ext uri="{BB962C8B-B14F-4D97-AF65-F5344CB8AC3E}">
-        <p14:creationId xmlns:p14="http://schemas.microsoft.com/office/powerpoint/2010/main" val="21695688"/>
-      </p:ext>
-    </p:extLst>
-  </p:cSld>
-  <p:clrMapOvr>
-    <a:masterClrMapping/>
-  </p:clrMapOvr>
-</p:notes>
-</file>
-
 <file path=ppt/slideLayouts/slideLayout1.xml><?xml version="1.0" encoding="utf-8"?>
 <p:sldLayout xmlns:a="http://schemas.openxmlformats.org/drawingml/2006/main" xmlns:r="http://schemas.openxmlformats.org/officeDocument/2006/relationships" xmlns:p="http://schemas.openxmlformats.org/presentationml/2006/main" type="title" preserve="1">
   <p:cSld name="Diapositiva de título">
@@ -1133,7 +1047,7 @@
           <a:p>
             <a:fld id="{8E594799-9787-45E5-9023-1E252E878EA6}" type="datetimeFigureOut">
               <a:rPr lang="en-GB" smtClean="0"/>
-              <a:t>17/05/2019</a:t>
+              <a:t>18/05/2019</a:t>
             </a:fld>
             <a:endParaRPr lang="en-GB"/>
           </a:p>
@@ -1333,7 +1247,7 @@
           <a:p>
             <a:fld id="{8E594799-9787-45E5-9023-1E252E878EA6}" type="datetimeFigureOut">
               <a:rPr lang="en-GB" smtClean="0"/>
-              <a:t>17/05/2019</a:t>
+              <a:t>18/05/2019</a:t>
             </a:fld>
             <a:endParaRPr lang="en-GB"/>
           </a:p>
@@ -1543,7 +1457,7 @@
           <a:p>
             <a:fld id="{8E594799-9787-45E5-9023-1E252E878EA6}" type="datetimeFigureOut">
               <a:rPr lang="en-GB" smtClean="0"/>
-              <a:t>17/05/2019</a:t>
+              <a:t>18/05/2019</a:t>
             </a:fld>
             <a:endParaRPr lang="en-GB"/>
           </a:p>
@@ -1818,7 +1732,7 @@
           <a:p>
             <a:fld id="{8E594799-9787-45E5-9023-1E252E878EA6}" type="datetimeFigureOut">
               <a:rPr lang="en-GB" smtClean="0"/>
-              <a:t>17/05/2019</a:t>
+              <a:t>18/05/2019</a:t>
             </a:fld>
             <a:endParaRPr lang="en-GB"/>
           </a:p>
@@ -2094,7 +2008,7 @@
           <a:p>
             <a:fld id="{8E594799-9787-45E5-9023-1E252E878EA6}" type="datetimeFigureOut">
               <a:rPr lang="en-GB" smtClean="0"/>
-              <a:t>17/05/2019</a:t>
+              <a:t>18/05/2019</a:t>
             </a:fld>
             <a:endParaRPr lang="en-GB"/>
           </a:p>
@@ -2362,7 +2276,7 @@
           <a:p>
             <a:fld id="{8E594799-9787-45E5-9023-1E252E878EA6}" type="datetimeFigureOut">
               <a:rPr lang="en-GB" smtClean="0"/>
-              <a:t>17/05/2019</a:t>
+              <a:t>18/05/2019</a:t>
             </a:fld>
             <a:endParaRPr lang="en-GB"/>
           </a:p>
@@ -2777,7 +2691,7 @@
           <a:p>
             <a:fld id="{8E594799-9787-45E5-9023-1E252E878EA6}" type="datetimeFigureOut">
               <a:rPr lang="en-GB" smtClean="0"/>
-              <a:t>17/05/2019</a:t>
+              <a:t>18/05/2019</a:t>
             </a:fld>
             <a:endParaRPr lang="en-GB"/>
           </a:p>
@@ -2919,7 +2833,7 @@
           <a:p>
             <a:fld id="{8E594799-9787-45E5-9023-1E252E878EA6}" type="datetimeFigureOut">
               <a:rPr lang="en-GB" smtClean="0"/>
-              <a:t>17/05/2019</a:t>
+              <a:t>18/05/2019</a:t>
             </a:fld>
             <a:endParaRPr lang="en-GB"/>
           </a:p>
@@ -3032,7 +2946,7 @@
           <a:p>
             <a:fld id="{8E594799-9787-45E5-9023-1E252E878EA6}" type="datetimeFigureOut">
               <a:rPr lang="en-GB" smtClean="0"/>
-              <a:t>17/05/2019</a:t>
+              <a:t>18/05/2019</a:t>
             </a:fld>
             <a:endParaRPr lang="en-GB"/>
           </a:p>
@@ -3345,7 +3259,7 @@
           <a:p>
             <a:fld id="{8E594799-9787-45E5-9023-1E252E878EA6}" type="datetimeFigureOut">
               <a:rPr lang="en-GB" smtClean="0"/>
-              <a:t>17/05/2019</a:t>
+              <a:t>18/05/2019</a:t>
             </a:fld>
             <a:endParaRPr lang="en-GB"/>
           </a:p>
@@ -3634,7 +3548,7 @@
           <a:p>
             <a:fld id="{8E594799-9787-45E5-9023-1E252E878EA6}" type="datetimeFigureOut">
               <a:rPr lang="en-GB" smtClean="0"/>
-              <a:t>17/05/2019</a:t>
+              <a:t>18/05/2019</a:t>
             </a:fld>
             <a:endParaRPr lang="en-GB"/>
           </a:p>
@@ -3877,7 +3791,7 @@
           <a:p>
             <a:fld id="{8E594799-9787-45E5-9023-1E252E878EA6}" type="datetimeFigureOut">
               <a:rPr lang="en-GB" smtClean="0"/>
-              <a:t>17/05/2019</a:t>
+              <a:t>18/05/2019</a:t>
             </a:fld>
             <a:endParaRPr lang="en-GB"/>
           </a:p>
@@ -4633,27 +4547,6 @@
               <a:t>Demo </a:t>
             </a:r>
           </a:p>
-          <a:p>
-            <a:pPr marL="742913" indent="-742913" algn="l">
-              <a:lnSpc>
-                <a:spcPct val="120000"/>
-              </a:lnSpc>
-              <a:buFont typeface="Arial" panose="020B0604020202020204" pitchFamily="34" charset="0"/>
-              <a:buAutoNum type="arabicPeriod"/>
-            </a:pPr>
-            <a:r>
-              <a:rPr lang="en-US" sz="4600" dirty="0">
-                <a:solidFill>
-                  <a:schemeClr val="bg2">
-                    <a:lumMod val="75000"/>
-                  </a:schemeClr>
-                </a:solidFill>
-                <a:latin typeface="Roboto" panose="02000000000000000000" pitchFamily="2" charset="0"/>
-                <a:ea typeface="Roboto" panose="02000000000000000000" pitchFamily="2" charset="0"/>
-              </a:rPr>
-              <a:t>Conclusions</a:t>
-            </a:r>
-          </a:p>
         </p:txBody>
       </p:sp>
       <p:grpSp>
@@ -5908,27 +5801,6 @@
               <a:t>Demo </a:t>
             </a:r>
           </a:p>
-          <a:p>
-            <a:pPr marL="742913" indent="-742913" algn="l">
-              <a:lnSpc>
-                <a:spcPct val="120000"/>
-              </a:lnSpc>
-              <a:buFont typeface="Arial" panose="020B0604020202020204" pitchFamily="34" charset="0"/>
-              <a:buAutoNum type="arabicPeriod"/>
-            </a:pPr>
-            <a:r>
-              <a:rPr lang="en-US" sz="4600" dirty="0">
-                <a:solidFill>
-                  <a:schemeClr val="bg2">
-                    <a:lumMod val="75000"/>
-                  </a:schemeClr>
-                </a:solidFill>
-                <a:latin typeface="Roboto" panose="02000000000000000000" pitchFamily="2" charset="0"/>
-                <a:ea typeface="Roboto" panose="02000000000000000000" pitchFamily="2" charset="0"/>
-              </a:rPr>
-              <a:t>Conclusions</a:t>
-            </a:r>
-          </a:p>
         </p:txBody>
       </p:sp>
       <p:grpSp>
@@ -7040,6 +6912,300 @@
           <a:chExt cx="0" cy="0"/>
         </a:xfrm>
       </p:grpSpPr>
+      <p:pic>
+        <p:nvPicPr>
+          <p:cNvPr id="5" name="Imagen 4" descr="Imagen que contiene texto&#10;&#10;Descripción generada automáticamente">
+            <a:extLst>
+              <a:ext uri="{FF2B5EF4-FFF2-40B4-BE49-F238E27FC236}">
+                <a16:creationId xmlns:a16="http://schemas.microsoft.com/office/drawing/2014/main" id="{FB7B8F5A-1F71-45B6-8186-0ED770922EF1}"/>
+              </a:ext>
+            </a:extLst>
+          </p:cNvPr>
+          <p:cNvPicPr>
+            <a:picLocks noChangeAspect="1"/>
+          </p:cNvPicPr>
+          <p:nvPr/>
+        </p:nvPicPr>
+        <p:blipFill>
+          <a:blip r:embed="rId2">
+            <a:extLst>
+              <a:ext uri="{28A0092B-C50C-407E-A947-70E740481C1C}">
+                <a14:useLocalDpi xmlns:a14="http://schemas.microsoft.com/office/drawing/2010/main" val="0"/>
+              </a:ext>
+            </a:extLst>
+          </a:blip>
+          <a:stretch>
+            <a:fillRect/>
+          </a:stretch>
+        </p:blipFill>
+        <p:spPr>
+          <a:xfrm>
+            <a:off x="5879800" y="937055"/>
+            <a:ext cx="5006648" cy="4983889"/>
+          </a:xfrm>
+          <a:prstGeom prst="rect">
+            <a:avLst/>
+          </a:prstGeom>
+        </p:spPr>
+      </p:pic>
+      <p:sp>
+        <p:nvSpPr>
+          <p:cNvPr id="6" name="CuadroTexto 5">
+            <a:extLst>
+              <a:ext uri="{FF2B5EF4-FFF2-40B4-BE49-F238E27FC236}">
+                <a16:creationId xmlns:a16="http://schemas.microsoft.com/office/drawing/2014/main" id="{63FC65C3-ED8E-41DA-BC04-44B59F30E788}"/>
+              </a:ext>
+            </a:extLst>
+          </p:cNvPr>
+          <p:cNvSpPr txBox="1"/>
+          <p:nvPr/>
+        </p:nvSpPr>
+        <p:spPr>
+          <a:xfrm>
+            <a:off x="1006048" y="5007012"/>
+            <a:ext cx="3644900" cy="954107"/>
+          </a:xfrm>
+          <a:prstGeom prst="rect">
+            <a:avLst/>
+          </a:prstGeom>
+          <a:noFill/>
+        </p:spPr>
+        <p:txBody>
+          <a:bodyPr wrap="square" rtlCol="0">
+            <a:spAutoFit/>
+          </a:bodyPr>
+          <a:lstStyle/>
+          <a:p>
+            <a:r>
+              <a:rPr lang="en-US" altLang="ko-KR" sz="2800" dirty="0" err="1">
+                <a:solidFill>
+                  <a:schemeClr val="accent1">
+                    <a:lumMod val="75000"/>
+                  </a:schemeClr>
+                </a:solidFill>
+                <a:latin typeface="Roboto Light" panose="02000000000000000000" pitchFamily="2" charset="0"/>
+                <a:ea typeface="Roboto Light" panose="02000000000000000000" pitchFamily="2" charset="0"/>
+                <a:cs typeface="Arial" pitchFamily="34" charset="0"/>
+              </a:rPr>
+              <a:t>Ángel</a:t>
+            </a:r>
+            <a:r>
+              <a:rPr lang="en-US" altLang="ko-KR" sz="2800" dirty="0">
+                <a:solidFill>
+                  <a:schemeClr val="accent1">
+                    <a:lumMod val="75000"/>
+                  </a:schemeClr>
+                </a:solidFill>
+                <a:latin typeface="Roboto Light" panose="02000000000000000000" pitchFamily="2" charset="0"/>
+                <a:ea typeface="Roboto Light" panose="02000000000000000000" pitchFamily="2" charset="0"/>
+                <a:cs typeface="Arial" pitchFamily="34" charset="0"/>
+              </a:rPr>
+              <a:t> Pérez </a:t>
+            </a:r>
+            <a:r>
+              <a:rPr lang="en-US" altLang="ko-KR" sz="2800" dirty="0" err="1">
+                <a:solidFill>
+                  <a:schemeClr val="accent1">
+                    <a:lumMod val="75000"/>
+                  </a:schemeClr>
+                </a:solidFill>
+                <a:latin typeface="Roboto Light" panose="02000000000000000000" pitchFamily="2" charset="0"/>
+                <a:ea typeface="Roboto Light" panose="02000000000000000000" pitchFamily="2" charset="0"/>
+                <a:cs typeface="Arial" pitchFamily="34" charset="0"/>
+              </a:rPr>
+              <a:t>Llorente</a:t>
+            </a:r>
+            <a:endParaRPr lang="en-US" altLang="ko-KR" sz="2800" dirty="0">
+              <a:solidFill>
+                <a:schemeClr val="accent1">
+                  <a:lumMod val="75000"/>
+                </a:schemeClr>
+              </a:solidFill>
+              <a:latin typeface="Roboto Light" panose="02000000000000000000" pitchFamily="2" charset="0"/>
+              <a:ea typeface="Roboto Light" panose="02000000000000000000" pitchFamily="2" charset="0"/>
+              <a:cs typeface="Arial" pitchFamily="34" charset="0"/>
+            </a:endParaRPr>
+          </a:p>
+          <a:p>
+            <a:r>
+              <a:rPr lang="en-US" altLang="ko-KR" sz="2800" dirty="0">
+                <a:solidFill>
+                  <a:schemeClr val="accent1">
+                    <a:lumMod val="75000"/>
+                  </a:schemeClr>
+                </a:solidFill>
+                <a:latin typeface="Roboto Light" panose="02000000000000000000" pitchFamily="2" charset="0"/>
+                <a:ea typeface="Roboto Light" panose="02000000000000000000" pitchFamily="2" charset="0"/>
+                <a:cs typeface="Arial" pitchFamily="34" charset="0"/>
+              </a:rPr>
+              <a:t>Luis Valero García</a:t>
+            </a:r>
+          </a:p>
+        </p:txBody>
+      </p:sp>
+      <p:sp>
+        <p:nvSpPr>
+          <p:cNvPr id="7" name="CuadroTexto 6">
+            <a:extLst>
+              <a:ext uri="{FF2B5EF4-FFF2-40B4-BE49-F238E27FC236}">
+                <a16:creationId xmlns:a16="http://schemas.microsoft.com/office/drawing/2014/main" id="{F55FC314-833E-4EA0-AAFB-586A3D3F1F17}"/>
+              </a:ext>
+            </a:extLst>
+          </p:cNvPr>
+          <p:cNvSpPr txBox="1"/>
+          <p:nvPr/>
+        </p:nvSpPr>
+        <p:spPr>
+          <a:xfrm>
+            <a:off x="1005045" y="4545347"/>
+            <a:ext cx="2803833" cy="523220"/>
+          </a:xfrm>
+          <a:prstGeom prst="rect">
+            <a:avLst/>
+          </a:prstGeom>
+          <a:noFill/>
+        </p:spPr>
+        <p:txBody>
+          <a:bodyPr wrap="square" rtlCol="0">
+            <a:spAutoFit/>
+          </a:bodyPr>
+          <a:lstStyle/>
+          <a:p>
+            <a:r>
+              <a:rPr lang="en-US" altLang="ko-KR" sz="2800" dirty="0">
+                <a:solidFill>
+                  <a:schemeClr val="tx2"/>
+                </a:solidFill>
+                <a:latin typeface="Roboto" panose="02000000000000000000" pitchFamily="2" charset="0"/>
+                <a:ea typeface="Roboto" panose="02000000000000000000" pitchFamily="2" charset="0"/>
+                <a:cs typeface="Arial" pitchFamily="34" charset="0"/>
+              </a:rPr>
+              <a:t>Team</a:t>
+            </a:r>
+            <a:endParaRPr lang="ko-KR" altLang="en-US" sz="2400" dirty="0">
+              <a:solidFill>
+                <a:schemeClr val="tx2"/>
+              </a:solidFill>
+              <a:latin typeface="Roboto" panose="02000000000000000000" pitchFamily="2" charset="0"/>
+              <a:cs typeface="Arial" pitchFamily="34" charset="0"/>
+            </a:endParaRPr>
+          </a:p>
+        </p:txBody>
+      </p:sp>
+      <p:sp>
+        <p:nvSpPr>
+          <p:cNvPr id="9" name="Rectángulo 8">
+            <a:extLst>
+              <a:ext uri="{FF2B5EF4-FFF2-40B4-BE49-F238E27FC236}">
+                <a16:creationId xmlns:a16="http://schemas.microsoft.com/office/drawing/2014/main" id="{F741623F-E081-44BB-BD48-A50FFA0519FE}"/>
+              </a:ext>
+            </a:extLst>
+          </p:cNvPr>
+          <p:cNvSpPr/>
+          <p:nvPr/>
+        </p:nvSpPr>
+        <p:spPr>
+          <a:xfrm>
+            <a:off x="883544" y="2041071"/>
+            <a:ext cx="4352654" cy="923330"/>
+          </a:xfrm>
+          <a:prstGeom prst="rect">
+            <a:avLst/>
+          </a:prstGeom>
+        </p:spPr>
+        <p:txBody>
+          <a:bodyPr wrap="square">
+            <a:spAutoFit/>
+          </a:bodyPr>
+          <a:lstStyle/>
+          <a:p>
+            <a:r>
+              <a:rPr lang="en-US" sz="5400" dirty="0">
+                <a:solidFill>
+                  <a:schemeClr val="accent1">
+                    <a:lumMod val="75000"/>
+                  </a:schemeClr>
+                </a:solidFill>
+                <a:latin typeface="Roboto" panose="02000000000000000000" pitchFamily="2" charset="0"/>
+                <a:ea typeface="Roboto" panose="02000000000000000000" pitchFamily="2" charset="0"/>
+              </a:rPr>
+              <a:t>Thank you!</a:t>
+            </a:r>
+          </a:p>
+        </p:txBody>
+      </p:sp>
+      <p:sp>
+        <p:nvSpPr>
+          <p:cNvPr id="8" name="Rectángulo 7">
+            <a:extLst>
+              <a:ext uri="{FF2B5EF4-FFF2-40B4-BE49-F238E27FC236}">
+                <a16:creationId xmlns:a16="http://schemas.microsoft.com/office/drawing/2014/main" id="{52DA29C4-C93A-45B8-9960-8B40784E1DA4}"/>
+              </a:ext>
+            </a:extLst>
+          </p:cNvPr>
+          <p:cNvSpPr/>
+          <p:nvPr/>
+        </p:nvSpPr>
+        <p:spPr>
+          <a:xfrm>
+            <a:off x="883544" y="2964401"/>
+            <a:ext cx="5006648" cy="923330"/>
+          </a:xfrm>
+          <a:prstGeom prst="rect">
+            <a:avLst/>
+          </a:prstGeom>
+        </p:spPr>
+        <p:txBody>
+          <a:bodyPr wrap="square">
+            <a:spAutoFit/>
+          </a:bodyPr>
+          <a:lstStyle/>
+          <a:p>
+            <a:r>
+              <a:rPr lang="en-US" sz="5400" dirty="0">
+                <a:solidFill>
+                  <a:schemeClr val="accent1">
+                    <a:lumMod val="75000"/>
+                  </a:schemeClr>
+                </a:solidFill>
+                <a:latin typeface="Roboto" panose="02000000000000000000" pitchFamily="2" charset="0"/>
+                <a:ea typeface="Roboto" panose="02000000000000000000" pitchFamily="2" charset="0"/>
+              </a:rPr>
+              <a:t>Any questions?</a:t>
+            </a:r>
+          </a:p>
+        </p:txBody>
+      </p:sp>
+    </p:spTree>
+    <p:extLst>
+      <p:ext uri="{BB962C8B-B14F-4D97-AF65-F5344CB8AC3E}">
+        <p14:creationId xmlns:p14="http://schemas.microsoft.com/office/powerpoint/2010/main" val="2988850694"/>
+      </p:ext>
+    </p:extLst>
+  </p:cSld>
+  <p:clrMapOvr>
+    <a:masterClrMapping/>
+  </p:clrMapOvr>
+</p:sld>
+</file>
+
+<file path=ppt/slides/slide2.xml><?xml version="1.0" encoding="utf-8"?>
+<p:sld xmlns:a="http://schemas.openxmlformats.org/drawingml/2006/main" xmlns:r="http://schemas.openxmlformats.org/officeDocument/2006/relationships" xmlns:p="http://schemas.openxmlformats.org/presentationml/2006/main">
+  <p:cSld>
+    <p:spTree>
+      <p:nvGrpSpPr>
+        <p:cNvPr id="1" name=""/>
+        <p:cNvGrpSpPr/>
+        <p:nvPr/>
+      </p:nvGrpSpPr>
+      <p:grpSpPr>
+        <a:xfrm>
+          <a:off x="0" y="0"/>
+          <a:ext cx="0" cy="0"/>
+          <a:chOff x="0" y="0"/>
+          <a:chExt cx="0" cy="0"/>
+        </a:xfrm>
+      </p:grpSpPr>
       <p:sp>
         <p:nvSpPr>
           <p:cNvPr id="3" name="Text Placeholder 2">
@@ -7078,77 +7244,12 @@
             <a:r>
               <a:rPr lang="en-US" sz="4600" dirty="0">
                 <a:solidFill>
-                  <a:schemeClr val="bg2">
-                    <a:lumMod val="75000"/>
-                  </a:schemeClr>
+                  <a:schemeClr val="tx1"/>
                 </a:solidFill>
                 <a:latin typeface="Roboto" panose="02000000000000000000" pitchFamily="2" charset="0"/>
                 <a:ea typeface="Roboto" panose="02000000000000000000" pitchFamily="2" charset="0"/>
               </a:rPr>
               <a:t>Introduction</a:t>
-            </a:r>
-          </a:p>
-          <a:p>
-            <a:pPr marL="742913" indent="-742913" algn="l">
-              <a:lnSpc>
-                <a:spcPct val="120000"/>
-              </a:lnSpc>
-              <a:buFont typeface="Arial" panose="020B0604020202020204" pitchFamily="34" charset="0"/>
-              <a:buAutoNum type="arabicPeriod"/>
-            </a:pPr>
-            <a:r>
-              <a:rPr lang="en-US" sz="4600" dirty="0">
-                <a:solidFill>
-                  <a:schemeClr val="bg2">
-                    <a:lumMod val="75000"/>
-                  </a:schemeClr>
-                </a:solidFill>
-                <a:latin typeface="Roboto" panose="02000000000000000000" pitchFamily="2" charset="0"/>
-                <a:ea typeface="Roboto" panose="02000000000000000000" pitchFamily="2" charset="0"/>
-              </a:rPr>
-              <a:t>Technologies and tools</a:t>
-            </a:r>
-          </a:p>
-          <a:p>
-            <a:pPr marL="742913" indent="-742913" algn="l">
-              <a:lnSpc>
-                <a:spcPct val="120000"/>
-              </a:lnSpc>
-              <a:buFont typeface="Arial" panose="020B0604020202020204" pitchFamily="34" charset="0"/>
-              <a:buAutoNum type="arabicPeriod"/>
-            </a:pPr>
-            <a:r>
-              <a:rPr lang="en-US" sz="4600" dirty="0">
-                <a:solidFill>
-                  <a:schemeClr val="bg2">
-                    <a:lumMod val="75000"/>
-                  </a:schemeClr>
-                </a:solidFill>
-                <a:latin typeface="Roboto" panose="02000000000000000000" pitchFamily="2" charset="0"/>
-                <a:ea typeface="Roboto" panose="02000000000000000000" pitchFamily="2" charset="0"/>
-              </a:rPr>
-              <a:t>SQL vs NoSQL </a:t>
-            </a:r>
-          </a:p>
-          <a:p>
-            <a:pPr marL="742913" indent="-742913" algn="l">
-              <a:lnSpc>
-                <a:spcPct val="120000"/>
-              </a:lnSpc>
-              <a:buFont typeface="Arial" panose="020B0604020202020204" pitchFamily="34" charset="0"/>
-              <a:buAutoNum type="arabicPeriod"/>
-            </a:pPr>
-            <a:r>
-              <a:rPr lang="en-US" sz="4600" dirty="0">
-                <a:solidFill>
-                  <a:schemeClr val="bg2">
-                    <a:lumMod val="75000"/>
-                  </a:schemeClr>
-                </a:solidFill>
-                <a:latin typeface="Roboto" panose="02000000000000000000" pitchFamily="2" charset="0"/>
-                <a:ea typeface="Roboto" panose="02000000000000000000" pitchFamily="2" charset="0"/>
-              </a:rPr>
-              <a:t>Demo </a:t>
             </a:r>
           </a:p>
           <a:p>
@@ -7167,7 +7268,45 @@
                 <a:latin typeface="Roboto" panose="02000000000000000000" pitchFamily="2" charset="0"/>
                 <a:ea typeface="Roboto" panose="02000000000000000000" pitchFamily="2" charset="0"/>
               </a:rPr>
-              <a:t>Conclusions</a:t>
+              <a:t>Technologies and tools</a:t>
+            </a:r>
+          </a:p>
+          <a:p>
+            <a:pPr marL="742913" indent="-742913" algn="l">
+              <a:lnSpc>
+                <a:spcPct val="120000"/>
+              </a:lnSpc>
+              <a:buFont typeface="Arial" panose="020B0604020202020204" pitchFamily="34" charset="0"/>
+              <a:buAutoNum type="arabicPeriod"/>
+            </a:pPr>
+            <a:r>
+              <a:rPr lang="en-US" sz="4600" dirty="0">
+                <a:solidFill>
+                  <a:schemeClr val="tx1"/>
+                </a:solidFill>
+                <a:latin typeface="Roboto" panose="02000000000000000000" pitchFamily="2" charset="0"/>
+                <a:ea typeface="Roboto" panose="02000000000000000000" pitchFamily="2" charset="0"/>
+              </a:rPr>
+              <a:t>SQL vs NoSQL </a:t>
+            </a:r>
+          </a:p>
+          <a:p>
+            <a:pPr marL="742913" indent="-742913" algn="l">
+              <a:lnSpc>
+                <a:spcPct val="120000"/>
+              </a:lnSpc>
+              <a:buFont typeface="Arial" panose="020B0604020202020204" pitchFamily="34" charset="0"/>
+              <a:buAutoNum type="arabicPeriod"/>
+            </a:pPr>
+            <a:r>
+              <a:rPr lang="en-US" sz="4600" dirty="0">
+                <a:solidFill>
+                  <a:schemeClr val="tx1"/>
+                </a:solidFill>
+                <a:latin typeface="Roboto" panose="02000000000000000000" pitchFamily="2" charset="0"/>
+                <a:ea typeface="Roboto" panose="02000000000000000000" pitchFamily="2" charset="0"/>
+              </a:rPr>
+              <a:t>Demo </a:t>
             </a:r>
           </a:p>
         </p:txBody>
@@ -7625,7 +7764,7 @@
     </p:spTree>
     <p:extLst>
       <p:ext uri="{BB962C8B-B14F-4D97-AF65-F5344CB8AC3E}">
-        <p14:creationId xmlns:p14="http://schemas.microsoft.com/office/powerpoint/2010/main" val="1844318918"/>
+        <p14:creationId xmlns:p14="http://schemas.microsoft.com/office/powerpoint/2010/main" val="505119248"/>
       </p:ext>
     </p:extLst>
   </p:cSld>
@@ -7635,7 +7774,7 @@
 </p:sld>
 </file>
 
-<file path=ppt/slides/slide15.xml><?xml version="1.0" encoding="utf-8"?>
+<file path=ppt/slides/slide3.xml><?xml version="1.0" encoding="utf-8"?>
 <p:sld xmlns:a="http://schemas.openxmlformats.org/drawingml/2006/main" xmlns:r="http://schemas.openxmlformats.org/officeDocument/2006/relationships" xmlns:p="http://schemas.openxmlformats.org/presentationml/2006/main">
   <p:cSld>
     <p:spTree>
@@ -7652,6 +7791,636 @@
           <a:chExt cx="0" cy="0"/>
         </a:xfrm>
       </p:grpSpPr>
+      <p:sp>
+        <p:nvSpPr>
+          <p:cNvPr id="3" name="Text Placeholder 2">
+            <a:extLst>
+              <a:ext uri="{FF2B5EF4-FFF2-40B4-BE49-F238E27FC236}">
+                <a16:creationId xmlns:a16="http://schemas.microsoft.com/office/drawing/2014/main" id="{BBFC999B-DC05-415E-8D2F-B903A8AF4A8C}"/>
+              </a:ext>
+            </a:extLst>
+          </p:cNvPr>
+          <p:cNvSpPr>
+            <a:spLocks noGrp="1"/>
+          </p:cNvSpPr>
+          <p:nvPr>
+            <p:ph type="body" sz="quarter" idx="10"/>
+          </p:nvPr>
+        </p:nvSpPr>
+        <p:spPr>
+          <a:xfrm>
+            <a:off x="584215" y="273239"/>
+            <a:ext cx="10861149" cy="6070052"/>
+          </a:xfrm>
+        </p:spPr>
+        <p:txBody>
+          <a:bodyPr>
+            <a:normAutofit/>
+          </a:bodyPr>
+          <a:lstStyle/>
+          <a:p>
+            <a:pPr marL="742913" indent="-742913" algn="l">
+              <a:lnSpc>
+                <a:spcPct val="120000"/>
+              </a:lnSpc>
+              <a:buFont typeface="Arial" panose="020B0604020202020204" pitchFamily="34" charset="0"/>
+              <a:buAutoNum type="arabicPeriod"/>
+            </a:pPr>
+            <a:r>
+              <a:rPr lang="en-US" sz="4600" dirty="0">
+                <a:solidFill>
+                  <a:schemeClr val="tx1"/>
+                </a:solidFill>
+                <a:latin typeface="Roboto" panose="02000000000000000000" pitchFamily="2" charset="0"/>
+                <a:ea typeface="Roboto" panose="02000000000000000000" pitchFamily="2" charset="0"/>
+              </a:rPr>
+              <a:t>Introduction</a:t>
+            </a:r>
+          </a:p>
+          <a:p>
+            <a:pPr marL="742913" indent="-742913" algn="l">
+              <a:lnSpc>
+                <a:spcPct val="120000"/>
+              </a:lnSpc>
+              <a:buFont typeface="Arial" panose="020B0604020202020204" pitchFamily="34" charset="0"/>
+              <a:buAutoNum type="arabicPeriod"/>
+            </a:pPr>
+            <a:r>
+              <a:rPr lang="en-US" sz="4600" dirty="0">
+                <a:solidFill>
+                  <a:schemeClr val="bg2">
+                    <a:lumMod val="75000"/>
+                  </a:schemeClr>
+                </a:solidFill>
+                <a:latin typeface="Roboto" panose="02000000000000000000" pitchFamily="2" charset="0"/>
+                <a:ea typeface="Roboto" panose="02000000000000000000" pitchFamily="2" charset="0"/>
+              </a:rPr>
+              <a:t>Technologies and tools</a:t>
+            </a:r>
+          </a:p>
+          <a:p>
+            <a:pPr marL="742913" indent="-742913" algn="l">
+              <a:lnSpc>
+                <a:spcPct val="120000"/>
+              </a:lnSpc>
+              <a:buFont typeface="Arial" panose="020B0604020202020204" pitchFamily="34" charset="0"/>
+              <a:buAutoNum type="arabicPeriod"/>
+            </a:pPr>
+            <a:r>
+              <a:rPr lang="en-US" sz="4600" dirty="0">
+                <a:solidFill>
+                  <a:schemeClr val="bg2">
+                    <a:lumMod val="75000"/>
+                  </a:schemeClr>
+                </a:solidFill>
+                <a:latin typeface="Roboto" panose="02000000000000000000" pitchFamily="2" charset="0"/>
+                <a:ea typeface="Roboto" panose="02000000000000000000" pitchFamily="2" charset="0"/>
+              </a:rPr>
+              <a:t>SQL vs NoSQL </a:t>
+            </a:r>
+          </a:p>
+          <a:p>
+            <a:pPr marL="742913" indent="-742913" algn="l">
+              <a:lnSpc>
+                <a:spcPct val="120000"/>
+              </a:lnSpc>
+              <a:buFont typeface="Arial" panose="020B0604020202020204" pitchFamily="34" charset="0"/>
+              <a:buAutoNum type="arabicPeriod"/>
+            </a:pPr>
+            <a:r>
+              <a:rPr lang="en-US" sz="4600" dirty="0">
+                <a:solidFill>
+                  <a:schemeClr val="bg2">
+                    <a:lumMod val="75000"/>
+                  </a:schemeClr>
+                </a:solidFill>
+                <a:latin typeface="Roboto" panose="02000000000000000000" pitchFamily="2" charset="0"/>
+                <a:ea typeface="Roboto" panose="02000000000000000000" pitchFamily="2" charset="0"/>
+              </a:rPr>
+              <a:t>Demo </a:t>
+            </a:r>
+          </a:p>
+        </p:txBody>
+      </p:sp>
+      <p:grpSp>
+        <p:nvGrpSpPr>
+          <p:cNvPr id="51" name="Group 35">
+            <a:extLst>
+              <a:ext uri="{FF2B5EF4-FFF2-40B4-BE49-F238E27FC236}">
+                <a16:creationId xmlns:a16="http://schemas.microsoft.com/office/drawing/2014/main" id="{58A8EAD7-8A26-CC47-9DCF-342AB81F0BD7}"/>
+              </a:ext>
+            </a:extLst>
+          </p:cNvPr>
+          <p:cNvGrpSpPr/>
+          <p:nvPr/>
+        </p:nvGrpSpPr>
+        <p:grpSpPr>
+          <a:xfrm>
+            <a:off x="2387305" y="6500705"/>
+            <a:ext cx="9566375" cy="84056"/>
+            <a:chOff x="3632040" y="5304907"/>
+            <a:chExt cx="8559959" cy="137006"/>
+          </a:xfrm>
+        </p:grpSpPr>
+        <p:grpSp>
+          <p:nvGrpSpPr>
+            <p:cNvPr id="52" name="Group 26">
+              <a:extLst>
+                <a:ext uri="{FF2B5EF4-FFF2-40B4-BE49-F238E27FC236}">
+                  <a16:creationId xmlns:a16="http://schemas.microsoft.com/office/drawing/2014/main" id="{BFF89B37-5D24-4440-9C59-F1F93F244CE8}"/>
+                </a:ext>
+              </a:extLst>
+            </p:cNvPr>
+            <p:cNvGrpSpPr/>
+            <p:nvPr/>
+          </p:nvGrpSpPr>
+          <p:grpSpPr>
+            <a:xfrm>
+              <a:off x="3632040" y="5310936"/>
+              <a:ext cx="4279981" cy="130977"/>
+              <a:chOff x="11445923" y="0"/>
+              <a:chExt cx="1119115" cy="2552282"/>
+            </a:xfrm>
+          </p:grpSpPr>
+          <p:sp>
+            <p:nvSpPr>
+              <p:cNvPr id="57" name="Rectangle 27">
+                <a:extLst>
+                  <a:ext uri="{FF2B5EF4-FFF2-40B4-BE49-F238E27FC236}">
+                    <a16:creationId xmlns:a16="http://schemas.microsoft.com/office/drawing/2014/main" id="{3BE3703F-8C85-1841-9AD2-01C73CBCABDD}"/>
+                  </a:ext>
+                </a:extLst>
+              </p:cNvPr>
+              <p:cNvSpPr/>
+              <p:nvPr/>
+            </p:nvSpPr>
+            <p:spPr>
+              <a:xfrm>
+                <a:off x="11818961" y="0"/>
+                <a:ext cx="373038" cy="2552282"/>
+              </a:xfrm>
+              <a:prstGeom prst="rect">
+                <a:avLst/>
+              </a:prstGeom>
+              <a:solidFill>
+                <a:schemeClr val="accent3"/>
+              </a:solidFill>
+              <a:ln>
+                <a:noFill/>
+              </a:ln>
+            </p:spPr>
+            <p:style>
+              <a:lnRef idx="2">
+                <a:schemeClr val="accent1">
+                  <a:shade val="50000"/>
+                </a:schemeClr>
+              </a:lnRef>
+              <a:fillRef idx="1">
+                <a:schemeClr val="accent1"/>
+              </a:fillRef>
+              <a:effectRef idx="0">
+                <a:schemeClr val="accent1"/>
+              </a:effectRef>
+              <a:fontRef idx="minor">
+                <a:schemeClr val="lt1"/>
+              </a:fontRef>
+            </p:style>
+            <p:txBody>
+              <a:bodyPr rot="0" spcFirstLastPara="0" vertOverflow="overflow" horzOverflow="overflow" vert="horz" wrap="square" lIns="91440" tIns="45720" rIns="91440" bIns="45720" numCol="1" spcCol="0" rtlCol="0" fromWordArt="0" anchor="ctr" anchorCtr="0" forceAA="0" compatLnSpc="1">
+                <a:prstTxWarp prst="textNoShape">
+                  <a:avLst/>
+                </a:prstTxWarp>
+                <a:noAutofit/>
+              </a:bodyPr>
+              <a:lstStyle/>
+              <a:p>
+                <a:pPr algn="ctr"/>
+                <a:endParaRPr lang="en-US" dirty="0"/>
+              </a:p>
+            </p:txBody>
+          </p:sp>
+          <p:sp>
+            <p:nvSpPr>
+              <p:cNvPr id="58" name="Rectangle 28">
+                <a:extLst>
+                  <a:ext uri="{FF2B5EF4-FFF2-40B4-BE49-F238E27FC236}">
+                    <a16:creationId xmlns:a16="http://schemas.microsoft.com/office/drawing/2014/main" id="{4668CDAE-00F1-744A-A868-599BAE0A4DFE}"/>
+                  </a:ext>
+                </a:extLst>
+              </p:cNvPr>
+              <p:cNvSpPr/>
+              <p:nvPr/>
+            </p:nvSpPr>
+            <p:spPr>
+              <a:xfrm>
+                <a:off x="11445923" y="0"/>
+                <a:ext cx="373038" cy="2552282"/>
+              </a:xfrm>
+              <a:prstGeom prst="rect">
+                <a:avLst/>
+              </a:prstGeom>
+              <a:solidFill>
+                <a:schemeClr val="accent2"/>
+              </a:solidFill>
+              <a:ln>
+                <a:noFill/>
+              </a:ln>
+            </p:spPr>
+            <p:style>
+              <a:lnRef idx="2">
+                <a:schemeClr val="accent1">
+                  <a:shade val="50000"/>
+                </a:schemeClr>
+              </a:lnRef>
+              <a:fillRef idx="1">
+                <a:schemeClr val="accent1"/>
+              </a:fillRef>
+              <a:effectRef idx="0">
+                <a:schemeClr val="accent1"/>
+              </a:effectRef>
+              <a:fontRef idx="minor">
+                <a:schemeClr val="lt1"/>
+              </a:fontRef>
+            </p:style>
+            <p:txBody>
+              <a:bodyPr rot="0" spcFirstLastPara="0" vertOverflow="overflow" horzOverflow="overflow" vert="horz" wrap="square" lIns="91440" tIns="45720" rIns="91440" bIns="45720" numCol="1" spcCol="0" rtlCol="0" fromWordArt="0" anchor="ctr" anchorCtr="0" forceAA="0" compatLnSpc="1">
+                <a:prstTxWarp prst="textNoShape">
+                  <a:avLst/>
+                </a:prstTxWarp>
+                <a:noAutofit/>
+              </a:bodyPr>
+              <a:lstStyle/>
+              <a:p>
+                <a:pPr algn="ctr"/>
+                <a:endParaRPr lang="en-US" dirty="0"/>
+              </a:p>
+            </p:txBody>
+          </p:sp>
+          <p:sp>
+            <p:nvSpPr>
+              <p:cNvPr id="59" name="Rectangle 29">
+                <a:extLst>
+                  <a:ext uri="{FF2B5EF4-FFF2-40B4-BE49-F238E27FC236}">
+                    <a16:creationId xmlns:a16="http://schemas.microsoft.com/office/drawing/2014/main" id="{CB293806-E058-FE40-90C5-A6B2DC856627}"/>
+                  </a:ext>
+                </a:extLst>
+              </p:cNvPr>
+              <p:cNvSpPr/>
+              <p:nvPr/>
+            </p:nvSpPr>
+            <p:spPr>
+              <a:xfrm>
+                <a:off x="12192000" y="0"/>
+                <a:ext cx="373038" cy="2552282"/>
+              </a:xfrm>
+              <a:prstGeom prst="rect">
+                <a:avLst/>
+              </a:prstGeom>
+              <a:solidFill>
+                <a:schemeClr val="accent1"/>
+              </a:solidFill>
+              <a:ln>
+                <a:noFill/>
+              </a:ln>
+            </p:spPr>
+            <p:style>
+              <a:lnRef idx="2">
+                <a:schemeClr val="accent1">
+                  <a:shade val="50000"/>
+                </a:schemeClr>
+              </a:lnRef>
+              <a:fillRef idx="1">
+                <a:schemeClr val="accent1"/>
+              </a:fillRef>
+              <a:effectRef idx="0">
+                <a:schemeClr val="accent1"/>
+              </a:effectRef>
+              <a:fontRef idx="minor">
+                <a:schemeClr val="lt1"/>
+              </a:fontRef>
+            </p:style>
+            <p:txBody>
+              <a:bodyPr rot="0" spcFirstLastPara="0" vertOverflow="overflow" horzOverflow="overflow" vert="horz" wrap="square" lIns="91440" tIns="45720" rIns="91440" bIns="45720" numCol="1" spcCol="0" rtlCol="0" fromWordArt="0" anchor="ctr" anchorCtr="0" forceAA="0" compatLnSpc="1">
+                <a:prstTxWarp prst="textNoShape">
+                  <a:avLst/>
+                </a:prstTxWarp>
+                <a:noAutofit/>
+              </a:bodyPr>
+              <a:lstStyle/>
+              <a:p>
+                <a:pPr algn="ctr"/>
+                <a:endParaRPr lang="en-US" dirty="0"/>
+              </a:p>
+            </p:txBody>
+          </p:sp>
+        </p:grpSp>
+        <p:grpSp>
+          <p:nvGrpSpPr>
+            <p:cNvPr id="53" name="Group 30">
+              <a:extLst>
+                <a:ext uri="{FF2B5EF4-FFF2-40B4-BE49-F238E27FC236}">
+                  <a16:creationId xmlns:a16="http://schemas.microsoft.com/office/drawing/2014/main" id="{A3BE53A7-B286-FF42-A224-BF1636DB45CD}"/>
+                </a:ext>
+              </a:extLst>
+            </p:cNvPr>
+            <p:cNvGrpSpPr/>
+            <p:nvPr/>
+          </p:nvGrpSpPr>
+          <p:grpSpPr>
+            <a:xfrm>
+              <a:off x="7912018" y="5304907"/>
+              <a:ext cx="4279981" cy="137006"/>
+              <a:chOff x="11445923" y="0"/>
+              <a:chExt cx="1119115" cy="2552282"/>
+            </a:xfrm>
+          </p:grpSpPr>
+          <p:sp>
+            <p:nvSpPr>
+              <p:cNvPr id="54" name="Rectangle 31">
+                <a:extLst>
+                  <a:ext uri="{FF2B5EF4-FFF2-40B4-BE49-F238E27FC236}">
+                    <a16:creationId xmlns:a16="http://schemas.microsoft.com/office/drawing/2014/main" id="{17E920DA-13DF-7B40-B8F5-4497708DA9EA}"/>
+                  </a:ext>
+                </a:extLst>
+              </p:cNvPr>
+              <p:cNvSpPr/>
+              <p:nvPr/>
+            </p:nvSpPr>
+            <p:spPr>
+              <a:xfrm>
+                <a:off x="11818961" y="0"/>
+                <a:ext cx="373038" cy="2552282"/>
+              </a:xfrm>
+              <a:prstGeom prst="rect">
+                <a:avLst/>
+              </a:prstGeom>
+              <a:solidFill>
+                <a:schemeClr val="accent3"/>
+              </a:solidFill>
+              <a:ln>
+                <a:noFill/>
+              </a:ln>
+            </p:spPr>
+            <p:style>
+              <a:lnRef idx="2">
+                <a:schemeClr val="accent1">
+                  <a:shade val="50000"/>
+                </a:schemeClr>
+              </a:lnRef>
+              <a:fillRef idx="1">
+                <a:schemeClr val="accent1"/>
+              </a:fillRef>
+              <a:effectRef idx="0">
+                <a:schemeClr val="accent1"/>
+              </a:effectRef>
+              <a:fontRef idx="minor">
+                <a:schemeClr val="lt1"/>
+              </a:fontRef>
+            </p:style>
+            <p:txBody>
+              <a:bodyPr rot="0" spcFirstLastPara="0" vertOverflow="overflow" horzOverflow="overflow" vert="horz" wrap="square" lIns="91440" tIns="45720" rIns="91440" bIns="45720" numCol="1" spcCol="0" rtlCol="0" fromWordArt="0" anchor="ctr" anchorCtr="0" forceAA="0" compatLnSpc="1">
+                <a:prstTxWarp prst="textNoShape">
+                  <a:avLst/>
+                </a:prstTxWarp>
+                <a:noAutofit/>
+              </a:bodyPr>
+              <a:lstStyle/>
+              <a:p>
+                <a:pPr algn="ctr"/>
+                <a:endParaRPr lang="en-US" dirty="0"/>
+              </a:p>
+            </p:txBody>
+          </p:sp>
+          <p:sp>
+            <p:nvSpPr>
+              <p:cNvPr id="55" name="Rectangle 32">
+                <a:extLst>
+                  <a:ext uri="{FF2B5EF4-FFF2-40B4-BE49-F238E27FC236}">
+                    <a16:creationId xmlns:a16="http://schemas.microsoft.com/office/drawing/2014/main" id="{DF96028D-B152-974F-BB2C-5E5827A4B63F}"/>
+                  </a:ext>
+                </a:extLst>
+              </p:cNvPr>
+              <p:cNvSpPr/>
+              <p:nvPr/>
+            </p:nvSpPr>
+            <p:spPr>
+              <a:xfrm>
+                <a:off x="11445923" y="0"/>
+                <a:ext cx="373038" cy="2552282"/>
+              </a:xfrm>
+              <a:prstGeom prst="rect">
+                <a:avLst/>
+              </a:prstGeom>
+              <a:solidFill>
+                <a:schemeClr val="accent2"/>
+              </a:solidFill>
+              <a:ln>
+                <a:noFill/>
+              </a:ln>
+            </p:spPr>
+            <p:style>
+              <a:lnRef idx="2">
+                <a:schemeClr val="accent1">
+                  <a:shade val="50000"/>
+                </a:schemeClr>
+              </a:lnRef>
+              <a:fillRef idx="1">
+                <a:schemeClr val="accent1"/>
+              </a:fillRef>
+              <a:effectRef idx="0">
+                <a:schemeClr val="accent1"/>
+              </a:effectRef>
+              <a:fontRef idx="minor">
+                <a:schemeClr val="lt1"/>
+              </a:fontRef>
+            </p:style>
+            <p:txBody>
+              <a:bodyPr rot="0" spcFirstLastPara="0" vertOverflow="overflow" horzOverflow="overflow" vert="horz" wrap="square" lIns="91440" tIns="45720" rIns="91440" bIns="45720" numCol="1" spcCol="0" rtlCol="0" fromWordArt="0" anchor="ctr" anchorCtr="0" forceAA="0" compatLnSpc="1">
+                <a:prstTxWarp prst="textNoShape">
+                  <a:avLst/>
+                </a:prstTxWarp>
+                <a:noAutofit/>
+              </a:bodyPr>
+              <a:lstStyle/>
+              <a:p>
+                <a:pPr algn="ctr"/>
+                <a:endParaRPr lang="en-US" dirty="0"/>
+              </a:p>
+            </p:txBody>
+          </p:sp>
+          <p:sp>
+            <p:nvSpPr>
+              <p:cNvPr id="56" name="Rectangle 33">
+                <a:extLst>
+                  <a:ext uri="{FF2B5EF4-FFF2-40B4-BE49-F238E27FC236}">
+                    <a16:creationId xmlns:a16="http://schemas.microsoft.com/office/drawing/2014/main" id="{C4E9BB48-0577-D04B-A5FE-4A4003BD9819}"/>
+                  </a:ext>
+                </a:extLst>
+              </p:cNvPr>
+              <p:cNvSpPr/>
+              <p:nvPr/>
+            </p:nvSpPr>
+            <p:spPr>
+              <a:xfrm>
+                <a:off x="12192000" y="0"/>
+                <a:ext cx="373038" cy="2552282"/>
+              </a:xfrm>
+              <a:prstGeom prst="rect">
+                <a:avLst/>
+              </a:prstGeom>
+              <a:solidFill>
+                <a:schemeClr val="accent1"/>
+              </a:solidFill>
+              <a:ln>
+                <a:noFill/>
+              </a:ln>
+            </p:spPr>
+            <p:style>
+              <a:lnRef idx="2">
+                <a:schemeClr val="accent1">
+                  <a:shade val="50000"/>
+                </a:schemeClr>
+              </a:lnRef>
+              <a:fillRef idx="1">
+                <a:schemeClr val="accent1"/>
+              </a:fillRef>
+              <a:effectRef idx="0">
+                <a:schemeClr val="accent1"/>
+              </a:effectRef>
+              <a:fontRef idx="minor">
+                <a:schemeClr val="lt1"/>
+              </a:fontRef>
+            </p:style>
+            <p:txBody>
+              <a:bodyPr rot="0" spcFirstLastPara="0" vertOverflow="overflow" horzOverflow="overflow" vert="horz" wrap="square" lIns="91440" tIns="45720" rIns="91440" bIns="45720" numCol="1" spcCol="0" rtlCol="0" fromWordArt="0" anchor="ctr" anchorCtr="0" forceAA="0" compatLnSpc="1">
+                <a:prstTxWarp prst="textNoShape">
+                  <a:avLst/>
+                </a:prstTxWarp>
+                <a:noAutofit/>
+              </a:bodyPr>
+              <a:lstStyle/>
+              <a:p>
+                <a:pPr algn="ctr"/>
+                <a:endParaRPr lang="en-US" dirty="0"/>
+              </a:p>
+            </p:txBody>
+          </p:sp>
+        </p:grpSp>
+      </p:grpSp>
+      <p:sp>
+        <p:nvSpPr>
+          <p:cNvPr id="12" name="TextBox 9">
+            <a:extLst>
+              <a:ext uri="{FF2B5EF4-FFF2-40B4-BE49-F238E27FC236}">
+                <a16:creationId xmlns:a16="http://schemas.microsoft.com/office/drawing/2014/main" id="{B4BA10E9-87F0-B04D-9A56-B379022411FE}"/>
+              </a:ext>
+            </a:extLst>
+          </p:cNvPr>
+          <p:cNvSpPr txBox="1"/>
+          <p:nvPr/>
+        </p:nvSpPr>
+        <p:spPr>
+          <a:xfrm>
+            <a:off x="7690399" y="5476765"/>
+            <a:ext cx="4263276" cy="1107996"/>
+          </a:xfrm>
+          <a:prstGeom prst="rect">
+            <a:avLst/>
+          </a:prstGeom>
+          <a:noFill/>
+        </p:spPr>
+        <p:txBody>
+          <a:bodyPr wrap="square" rtlCol="0">
+            <a:spAutoFit/>
+          </a:bodyPr>
+          <a:lstStyle/>
+          <a:p>
+            <a:pPr algn="ctr"/>
+            <a:r>
+              <a:rPr lang="en-US" altLang="ko-KR" sz="6600" b="1" dirty="0">
+                <a:solidFill>
+                  <a:schemeClr val="tx1">
+                    <a:lumMod val="50000"/>
+                    <a:lumOff val="50000"/>
+                  </a:schemeClr>
+                </a:solidFill>
+                <a:latin typeface="Roboto" panose="02000000000000000000" pitchFamily="2" charset="0"/>
+                <a:ea typeface="Roboto" panose="02000000000000000000" pitchFamily="2" charset="0"/>
+              </a:rPr>
+              <a:t>ROADMAP</a:t>
+            </a:r>
+          </a:p>
+        </p:txBody>
+      </p:sp>
+    </p:spTree>
+    <p:extLst>
+      <p:ext uri="{BB962C8B-B14F-4D97-AF65-F5344CB8AC3E}">
+        <p14:creationId xmlns:p14="http://schemas.microsoft.com/office/powerpoint/2010/main" val="3685580777"/>
+      </p:ext>
+    </p:extLst>
+  </p:cSld>
+  <p:clrMapOvr>
+    <a:masterClrMapping/>
+  </p:clrMapOvr>
+</p:sld>
+</file>
+
+<file path=ppt/slides/slide4.xml><?xml version="1.0" encoding="utf-8"?>
+<p:sld xmlns:a="http://schemas.openxmlformats.org/drawingml/2006/main" xmlns:r="http://schemas.openxmlformats.org/officeDocument/2006/relationships" xmlns:p="http://schemas.openxmlformats.org/presentationml/2006/main">
+  <p:cSld>
+    <p:spTree>
+      <p:nvGrpSpPr>
+        <p:cNvPr id="1" name=""/>
+        <p:cNvGrpSpPr/>
+        <p:nvPr/>
+      </p:nvGrpSpPr>
+      <p:grpSpPr>
+        <a:xfrm>
+          <a:off x="0" y="0"/>
+          <a:ext cx="0" cy="0"/>
+          <a:chOff x="0" y="0"/>
+          <a:chExt cx="0" cy="0"/>
+        </a:xfrm>
+      </p:grpSpPr>
+      <p:pic>
+        <p:nvPicPr>
+          <p:cNvPr id="23" name="Gráfico 22">
+            <a:extLst>
+              <a:ext uri="{FF2B5EF4-FFF2-40B4-BE49-F238E27FC236}">
+                <a16:creationId xmlns:a16="http://schemas.microsoft.com/office/drawing/2014/main" id="{E6FF71D7-3D5F-4EE4-8608-A9EC6FADCC85}"/>
+              </a:ext>
+            </a:extLst>
+          </p:cNvPr>
+          <p:cNvPicPr>
+            <a:picLocks noChangeAspect="1"/>
+          </p:cNvPicPr>
+          <p:nvPr/>
+        </p:nvPicPr>
+        <p:blipFill>
+          <a:blip r:embed="rId2">
+            <a:extLst>
+              <a:ext uri="{28A0092B-C50C-407E-A947-70E740481C1C}">
+                <a14:useLocalDpi xmlns:a14="http://schemas.microsoft.com/office/drawing/2010/main" val="0"/>
+              </a:ext>
+              <a:ext uri="{96DAC541-7B7A-43D3-8B79-37D633B846F1}">
+                <asvg:svgBlip xmlns:asvg="http://schemas.microsoft.com/office/drawing/2016/SVG/main" r:embed="rId3"/>
+              </a:ext>
+            </a:extLst>
+          </a:blip>
+          <a:stretch>
+            <a:fillRect/>
+          </a:stretch>
+        </p:blipFill>
+        <p:spPr>
+          <a:xfrm>
+            <a:off x="450757" y="442969"/>
+            <a:ext cx="1165114" cy="1165114"/>
+          </a:xfrm>
+          <a:prstGeom prst="rect">
+            <a:avLst/>
+          </a:prstGeom>
+        </p:spPr>
+      </p:pic>
       <p:sp>
         <p:nvSpPr>
           <p:cNvPr id="3" name="Elipse 2">
@@ -7707,7 +8476,7 @@
                 <a:latin typeface="Roboto" panose="02000000000000000000" pitchFamily="2" charset="0"/>
                 <a:ea typeface="Roboto" panose="02000000000000000000" pitchFamily="2" charset="0"/>
               </a:rPr>
-              <a:t>8</a:t>
+              <a:t>1</a:t>
             </a:r>
           </a:p>
         </p:txBody>
@@ -7746,7 +8515,7 @@
                 <a:latin typeface="Roboto" panose="02000000000000000000" pitchFamily="2" charset="0"/>
                 <a:ea typeface="Roboto" panose="02000000000000000000" pitchFamily="2" charset="0"/>
               </a:rPr>
-              <a:t>5. </a:t>
+              <a:t>1. </a:t>
             </a:r>
             <a:r>
               <a:rPr lang="en-US" dirty="0">
@@ -7756,7 +8525,7 @@
                 <a:latin typeface="Roboto" panose="02000000000000000000" pitchFamily="2" charset="0"/>
                 <a:ea typeface="Roboto" panose="02000000000000000000" pitchFamily="2" charset="0"/>
               </a:rPr>
-              <a:t>Conclusions</a:t>
+              <a:t>Introduction</a:t>
             </a:r>
             <a:endParaRPr lang="en-US" dirty="0">
               <a:latin typeface="Roboto" panose="02000000000000000000" pitchFamily="2" charset="0"/>
@@ -8170,2142 +8939,6 @@
           </p:sp>
         </p:grpSp>
       </p:grpSp>
-      <p:pic>
-        <p:nvPicPr>
-          <p:cNvPr id="14" name="Gráfico 13">
-            <a:extLst>
-              <a:ext uri="{FF2B5EF4-FFF2-40B4-BE49-F238E27FC236}">
-                <a16:creationId xmlns:a16="http://schemas.microsoft.com/office/drawing/2014/main" id="{C616CD36-1BCC-4F5D-920C-553412B530CF}"/>
-              </a:ext>
-            </a:extLst>
-          </p:cNvPr>
-          <p:cNvPicPr>
-            <a:picLocks noChangeAspect="1"/>
-          </p:cNvPicPr>
-          <p:nvPr/>
-        </p:nvPicPr>
-        <p:blipFill>
-          <a:blip r:embed="rId2">
-            <a:extLst>
-              <a:ext uri="{28A0092B-C50C-407E-A947-70E740481C1C}">
-                <a14:useLocalDpi xmlns:a14="http://schemas.microsoft.com/office/drawing/2010/main" val="0"/>
-              </a:ext>
-              <a:ext uri="{96DAC541-7B7A-43D3-8B79-37D633B846F1}">
-                <asvg:svgBlip xmlns:asvg="http://schemas.microsoft.com/office/drawing/2016/SVG/main" r:embed="rId3"/>
-              </a:ext>
-            </a:extLst>
-          </a:blip>
-          <a:stretch>
-            <a:fillRect/>
-          </a:stretch>
-        </p:blipFill>
-        <p:spPr>
-          <a:xfrm>
-            <a:off x="335791" y="442969"/>
-            <a:ext cx="1016715" cy="1016715"/>
-          </a:xfrm>
-          <a:prstGeom prst="rect">
-            <a:avLst/>
-          </a:prstGeom>
-        </p:spPr>
-      </p:pic>
-    </p:spTree>
-    <p:extLst>
-      <p:ext uri="{BB962C8B-B14F-4D97-AF65-F5344CB8AC3E}">
-        <p14:creationId xmlns:p14="http://schemas.microsoft.com/office/powerpoint/2010/main" val="843557964"/>
-      </p:ext>
-    </p:extLst>
-  </p:cSld>
-  <p:clrMapOvr>
-    <a:masterClrMapping/>
-  </p:clrMapOvr>
-</p:sld>
-</file>
-
-<file path=ppt/slides/slide16.xml><?xml version="1.0" encoding="utf-8"?>
-<p:sld xmlns:a="http://schemas.openxmlformats.org/drawingml/2006/main" xmlns:r="http://schemas.openxmlformats.org/officeDocument/2006/relationships" xmlns:p="http://schemas.openxmlformats.org/presentationml/2006/main">
-  <p:cSld>
-    <p:spTree>
-      <p:nvGrpSpPr>
-        <p:cNvPr id="1" name=""/>
-        <p:cNvGrpSpPr/>
-        <p:nvPr/>
-      </p:nvGrpSpPr>
-      <p:grpSpPr>
-        <a:xfrm>
-          <a:off x="0" y="0"/>
-          <a:ext cx="0" cy="0"/>
-          <a:chOff x="0" y="0"/>
-          <a:chExt cx="0" cy="0"/>
-        </a:xfrm>
-      </p:grpSpPr>
-      <p:pic>
-        <p:nvPicPr>
-          <p:cNvPr id="5" name="Imagen 4" descr="Imagen que contiene texto&#10;&#10;Descripción generada automáticamente">
-            <a:extLst>
-              <a:ext uri="{FF2B5EF4-FFF2-40B4-BE49-F238E27FC236}">
-                <a16:creationId xmlns:a16="http://schemas.microsoft.com/office/drawing/2014/main" id="{FB7B8F5A-1F71-45B6-8186-0ED770922EF1}"/>
-              </a:ext>
-            </a:extLst>
-          </p:cNvPr>
-          <p:cNvPicPr>
-            <a:picLocks noChangeAspect="1"/>
-          </p:cNvPicPr>
-          <p:nvPr/>
-        </p:nvPicPr>
-        <p:blipFill>
-          <a:blip r:embed="rId2">
-            <a:extLst>
-              <a:ext uri="{28A0092B-C50C-407E-A947-70E740481C1C}">
-                <a14:useLocalDpi xmlns:a14="http://schemas.microsoft.com/office/drawing/2010/main" val="0"/>
-              </a:ext>
-            </a:extLst>
-          </a:blip>
-          <a:stretch>
-            <a:fillRect/>
-          </a:stretch>
-        </p:blipFill>
-        <p:spPr>
-          <a:xfrm>
-            <a:off x="5879800" y="937055"/>
-            <a:ext cx="5006648" cy="4983889"/>
-          </a:xfrm>
-          <a:prstGeom prst="rect">
-            <a:avLst/>
-          </a:prstGeom>
-        </p:spPr>
-      </p:pic>
-      <p:sp>
-        <p:nvSpPr>
-          <p:cNvPr id="6" name="CuadroTexto 5">
-            <a:extLst>
-              <a:ext uri="{FF2B5EF4-FFF2-40B4-BE49-F238E27FC236}">
-                <a16:creationId xmlns:a16="http://schemas.microsoft.com/office/drawing/2014/main" id="{63FC65C3-ED8E-41DA-BC04-44B59F30E788}"/>
-              </a:ext>
-            </a:extLst>
-          </p:cNvPr>
-          <p:cNvSpPr txBox="1"/>
-          <p:nvPr/>
-        </p:nvSpPr>
-        <p:spPr>
-          <a:xfrm>
-            <a:off x="1006048" y="5007012"/>
-            <a:ext cx="3644900" cy="954107"/>
-          </a:xfrm>
-          <a:prstGeom prst="rect">
-            <a:avLst/>
-          </a:prstGeom>
-          <a:noFill/>
-        </p:spPr>
-        <p:txBody>
-          <a:bodyPr wrap="square" rtlCol="0">
-            <a:spAutoFit/>
-          </a:bodyPr>
-          <a:lstStyle/>
-          <a:p>
-            <a:r>
-              <a:rPr lang="en-US" altLang="ko-KR" sz="2800" dirty="0" err="1">
-                <a:solidFill>
-                  <a:schemeClr val="accent1">
-                    <a:lumMod val="75000"/>
-                  </a:schemeClr>
-                </a:solidFill>
-                <a:latin typeface="Roboto Light" panose="02000000000000000000" pitchFamily="2" charset="0"/>
-                <a:ea typeface="Roboto Light" panose="02000000000000000000" pitchFamily="2" charset="0"/>
-                <a:cs typeface="Arial" pitchFamily="34" charset="0"/>
-              </a:rPr>
-              <a:t>Ángel</a:t>
-            </a:r>
-            <a:r>
-              <a:rPr lang="en-US" altLang="ko-KR" sz="2800" dirty="0">
-                <a:solidFill>
-                  <a:schemeClr val="accent1">
-                    <a:lumMod val="75000"/>
-                  </a:schemeClr>
-                </a:solidFill>
-                <a:latin typeface="Roboto Light" panose="02000000000000000000" pitchFamily="2" charset="0"/>
-                <a:ea typeface="Roboto Light" panose="02000000000000000000" pitchFamily="2" charset="0"/>
-                <a:cs typeface="Arial" pitchFamily="34" charset="0"/>
-              </a:rPr>
-              <a:t> Pérez </a:t>
-            </a:r>
-            <a:r>
-              <a:rPr lang="en-US" altLang="ko-KR" sz="2800" dirty="0" err="1">
-                <a:solidFill>
-                  <a:schemeClr val="accent1">
-                    <a:lumMod val="75000"/>
-                  </a:schemeClr>
-                </a:solidFill>
-                <a:latin typeface="Roboto Light" panose="02000000000000000000" pitchFamily="2" charset="0"/>
-                <a:ea typeface="Roboto Light" panose="02000000000000000000" pitchFamily="2" charset="0"/>
-                <a:cs typeface="Arial" pitchFamily="34" charset="0"/>
-              </a:rPr>
-              <a:t>Llorente</a:t>
-            </a:r>
-            <a:endParaRPr lang="en-US" altLang="ko-KR" sz="2800" dirty="0">
-              <a:solidFill>
-                <a:schemeClr val="accent1">
-                  <a:lumMod val="75000"/>
-                </a:schemeClr>
-              </a:solidFill>
-              <a:latin typeface="Roboto Light" panose="02000000000000000000" pitchFamily="2" charset="0"/>
-              <a:ea typeface="Roboto Light" panose="02000000000000000000" pitchFamily="2" charset="0"/>
-              <a:cs typeface="Arial" pitchFamily="34" charset="0"/>
-            </a:endParaRPr>
-          </a:p>
-          <a:p>
-            <a:r>
-              <a:rPr lang="en-US" altLang="ko-KR" sz="2800" dirty="0">
-                <a:solidFill>
-                  <a:schemeClr val="accent1">
-                    <a:lumMod val="75000"/>
-                  </a:schemeClr>
-                </a:solidFill>
-                <a:latin typeface="Roboto Light" panose="02000000000000000000" pitchFamily="2" charset="0"/>
-                <a:ea typeface="Roboto Light" panose="02000000000000000000" pitchFamily="2" charset="0"/>
-                <a:cs typeface="Arial" pitchFamily="34" charset="0"/>
-              </a:rPr>
-              <a:t>Luis Valero García</a:t>
-            </a:r>
-          </a:p>
-        </p:txBody>
-      </p:sp>
-      <p:sp>
-        <p:nvSpPr>
-          <p:cNvPr id="7" name="CuadroTexto 6">
-            <a:extLst>
-              <a:ext uri="{FF2B5EF4-FFF2-40B4-BE49-F238E27FC236}">
-                <a16:creationId xmlns:a16="http://schemas.microsoft.com/office/drawing/2014/main" id="{F55FC314-833E-4EA0-AAFB-586A3D3F1F17}"/>
-              </a:ext>
-            </a:extLst>
-          </p:cNvPr>
-          <p:cNvSpPr txBox="1"/>
-          <p:nvPr/>
-        </p:nvSpPr>
-        <p:spPr>
-          <a:xfrm>
-            <a:off x="1005045" y="4545347"/>
-            <a:ext cx="2803833" cy="523220"/>
-          </a:xfrm>
-          <a:prstGeom prst="rect">
-            <a:avLst/>
-          </a:prstGeom>
-          <a:noFill/>
-        </p:spPr>
-        <p:txBody>
-          <a:bodyPr wrap="square" rtlCol="0">
-            <a:spAutoFit/>
-          </a:bodyPr>
-          <a:lstStyle/>
-          <a:p>
-            <a:r>
-              <a:rPr lang="en-US" altLang="ko-KR" sz="2800" dirty="0">
-                <a:solidFill>
-                  <a:schemeClr val="tx2"/>
-                </a:solidFill>
-                <a:latin typeface="Roboto" panose="02000000000000000000" pitchFamily="2" charset="0"/>
-                <a:ea typeface="Roboto" panose="02000000000000000000" pitchFamily="2" charset="0"/>
-                <a:cs typeface="Arial" pitchFamily="34" charset="0"/>
-              </a:rPr>
-              <a:t>Team</a:t>
-            </a:r>
-            <a:endParaRPr lang="ko-KR" altLang="en-US" sz="2400" dirty="0">
-              <a:solidFill>
-                <a:schemeClr val="tx2"/>
-              </a:solidFill>
-              <a:latin typeface="Roboto" panose="02000000000000000000" pitchFamily="2" charset="0"/>
-              <a:cs typeface="Arial" pitchFamily="34" charset="0"/>
-            </a:endParaRPr>
-          </a:p>
-        </p:txBody>
-      </p:sp>
-      <p:sp>
-        <p:nvSpPr>
-          <p:cNvPr id="9" name="Rectángulo 8">
-            <a:extLst>
-              <a:ext uri="{FF2B5EF4-FFF2-40B4-BE49-F238E27FC236}">
-                <a16:creationId xmlns:a16="http://schemas.microsoft.com/office/drawing/2014/main" id="{F741623F-E081-44BB-BD48-A50FFA0519FE}"/>
-              </a:ext>
-            </a:extLst>
-          </p:cNvPr>
-          <p:cNvSpPr/>
-          <p:nvPr/>
-        </p:nvSpPr>
-        <p:spPr>
-          <a:xfrm>
-            <a:off x="883544" y="2041071"/>
-            <a:ext cx="4352654" cy="923330"/>
-          </a:xfrm>
-          <a:prstGeom prst="rect">
-            <a:avLst/>
-          </a:prstGeom>
-        </p:spPr>
-        <p:txBody>
-          <a:bodyPr wrap="square">
-            <a:spAutoFit/>
-          </a:bodyPr>
-          <a:lstStyle/>
-          <a:p>
-            <a:r>
-              <a:rPr lang="en-US" sz="5400" dirty="0">
-                <a:solidFill>
-                  <a:schemeClr val="accent1">
-                    <a:lumMod val="75000"/>
-                  </a:schemeClr>
-                </a:solidFill>
-                <a:latin typeface="Roboto" panose="02000000000000000000" pitchFamily="2" charset="0"/>
-                <a:ea typeface="Roboto" panose="02000000000000000000" pitchFamily="2" charset="0"/>
-              </a:rPr>
-              <a:t>Thank you!</a:t>
-            </a:r>
-          </a:p>
-        </p:txBody>
-      </p:sp>
-      <p:sp>
-        <p:nvSpPr>
-          <p:cNvPr id="8" name="Rectángulo 7">
-            <a:extLst>
-              <a:ext uri="{FF2B5EF4-FFF2-40B4-BE49-F238E27FC236}">
-                <a16:creationId xmlns:a16="http://schemas.microsoft.com/office/drawing/2014/main" id="{52DA29C4-C93A-45B8-9960-8B40784E1DA4}"/>
-              </a:ext>
-            </a:extLst>
-          </p:cNvPr>
-          <p:cNvSpPr/>
-          <p:nvPr/>
-        </p:nvSpPr>
-        <p:spPr>
-          <a:xfrm>
-            <a:off x="883544" y="2964401"/>
-            <a:ext cx="5006648" cy="923330"/>
-          </a:xfrm>
-          <a:prstGeom prst="rect">
-            <a:avLst/>
-          </a:prstGeom>
-        </p:spPr>
-        <p:txBody>
-          <a:bodyPr wrap="square">
-            <a:spAutoFit/>
-          </a:bodyPr>
-          <a:lstStyle/>
-          <a:p>
-            <a:r>
-              <a:rPr lang="en-US" sz="5400" dirty="0">
-                <a:solidFill>
-                  <a:schemeClr val="accent1">
-                    <a:lumMod val="75000"/>
-                  </a:schemeClr>
-                </a:solidFill>
-                <a:latin typeface="Roboto" panose="02000000000000000000" pitchFamily="2" charset="0"/>
-                <a:ea typeface="Roboto" panose="02000000000000000000" pitchFamily="2" charset="0"/>
-              </a:rPr>
-              <a:t>Any questions?</a:t>
-            </a:r>
-          </a:p>
-        </p:txBody>
-      </p:sp>
-    </p:spTree>
-    <p:extLst>
-      <p:ext uri="{BB962C8B-B14F-4D97-AF65-F5344CB8AC3E}">
-        <p14:creationId xmlns:p14="http://schemas.microsoft.com/office/powerpoint/2010/main" val="2988850694"/>
-      </p:ext>
-    </p:extLst>
-  </p:cSld>
-  <p:clrMapOvr>
-    <a:masterClrMapping/>
-  </p:clrMapOvr>
-</p:sld>
-</file>
-
-<file path=ppt/slides/slide2.xml><?xml version="1.0" encoding="utf-8"?>
-<p:sld xmlns:a="http://schemas.openxmlformats.org/drawingml/2006/main" xmlns:r="http://schemas.openxmlformats.org/officeDocument/2006/relationships" xmlns:p="http://schemas.openxmlformats.org/presentationml/2006/main">
-  <p:cSld>
-    <p:spTree>
-      <p:nvGrpSpPr>
-        <p:cNvPr id="1" name=""/>
-        <p:cNvGrpSpPr/>
-        <p:nvPr/>
-      </p:nvGrpSpPr>
-      <p:grpSpPr>
-        <a:xfrm>
-          <a:off x="0" y="0"/>
-          <a:ext cx="0" cy="0"/>
-          <a:chOff x="0" y="0"/>
-          <a:chExt cx="0" cy="0"/>
-        </a:xfrm>
-      </p:grpSpPr>
-      <p:sp>
-        <p:nvSpPr>
-          <p:cNvPr id="3" name="Text Placeholder 2">
-            <a:extLst>
-              <a:ext uri="{FF2B5EF4-FFF2-40B4-BE49-F238E27FC236}">
-                <a16:creationId xmlns:a16="http://schemas.microsoft.com/office/drawing/2014/main" id="{BBFC999B-DC05-415E-8D2F-B903A8AF4A8C}"/>
-              </a:ext>
-            </a:extLst>
-          </p:cNvPr>
-          <p:cNvSpPr>
-            <a:spLocks noGrp="1"/>
-          </p:cNvSpPr>
-          <p:nvPr>
-            <p:ph type="body" sz="quarter" idx="10"/>
-          </p:nvPr>
-        </p:nvSpPr>
-        <p:spPr>
-          <a:xfrm>
-            <a:off x="584215" y="273239"/>
-            <a:ext cx="10861149" cy="6070052"/>
-          </a:xfrm>
-        </p:spPr>
-        <p:txBody>
-          <a:bodyPr>
-            <a:normAutofit/>
-          </a:bodyPr>
-          <a:lstStyle/>
-          <a:p>
-            <a:pPr marL="742913" indent="-742913" algn="l">
-              <a:lnSpc>
-                <a:spcPct val="120000"/>
-              </a:lnSpc>
-              <a:buFont typeface="Arial" panose="020B0604020202020204" pitchFamily="34" charset="0"/>
-              <a:buAutoNum type="arabicPeriod"/>
-            </a:pPr>
-            <a:r>
-              <a:rPr lang="en-US" sz="4600" dirty="0">
-                <a:solidFill>
-                  <a:schemeClr val="tx1"/>
-                </a:solidFill>
-                <a:latin typeface="Roboto" panose="02000000000000000000" pitchFamily="2" charset="0"/>
-                <a:ea typeface="Roboto" panose="02000000000000000000" pitchFamily="2" charset="0"/>
-              </a:rPr>
-              <a:t>Introduction</a:t>
-            </a:r>
-          </a:p>
-          <a:p>
-            <a:pPr marL="742913" indent="-742913" algn="l">
-              <a:lnSpc>
-                <a:spcPct val="120000"/>
-              </a:lnSpc>
-              <a:buFont typeface="Arial" panose="020B0604020202020204" pitchFamily="34" charset="0"/>
-              <a:buAutoNum type="arabicPeriod"/>
-            </a:pPr>
-            <a:r>
-              <a:rPr lang="en-US" sz="4600" dirty="0">
-                <a:solidFill>
-                  <a:schemeClr val="tx1"/>
-                </a:solidFill>
-                <a:latin typeface="Roboto" panose="02000000000000000000" pitchFamily="2" charset="0"/>
-                <a:ea typeface="Roboto" panose="02000000000000000000" pitchFamily="2" charset="0"/>
-              </a:rPr>
-              <a:t>Technologies and tools</a:t>
-            </a:r>
-          </a:p>
-          <a:p>
-            <a:pPr marL="742913" indent="-742913" algn="l">
-              <a:lnSpc>
-                <a:spcPct val="120000"/>
-              </a:lnSpc>
-              <a:buFont typeface="Arial" panose="020B0604020202020204" pitchFamily="34" charset="0"/>
-              <a:buAutoNum type="arabicPeriod"/>
-            </a:pPr>
-            <a:r>
-              <a:rPr lang="en-US" sz="4600" dirty="0">
-                <a:solidFill>
-                  <a:schemeClr val="tx1"/>
-                </a:solidFill>
-                <a:latin typeface="Roboto" panose="02000000000000000000" pitchFamily="2" charset="0"/>
-                <a:ea typeface="Roboto" panose="02000000000000000000" pitchFamily="2" charset="0"/>
-              </a:rPr>
-              <a:t>SQL vs NoSQL </a:t>
-            </a:r>
-          </a:p>
-          <a:p>
-            <a:pPr marL="742913" indent="-742913" algn="l">
-              <a:lnSpc>
-                <a:spcPct val="120000"/>
-              </a:lnSpc>
-              <a:buFont typeface="Arial" panose="020B0604020202020204" pitchFamily="34" charset="0"/>
-              <a:buAutoNum type="arabicPeriod"/>
-            </a:pPr>
-            <a:r>
-              <a:rPr lang="en-US" sz="4600" dirty="0">
-                <a:solidFill>
-                  <a:schemeClr val="tx1"/>
-                </a:solidFill>
-                <a:latin typeface="Roboto" panose="02000000000000000000" pitchFamily="2" charset="0"/>
-                <a:ea typeface="Roboto" panose="02000000000000000000" pitchFamily="2" charset="0"/>
-              </a:rPr>
-              <a:t>Demo </a:t>
-            </a:r>
-          </a:p>
-          <a:p>
-            <a:pPr marL="742913" indent="-742913" algn="l">
-              <a:lnSpc>
-                <a:spcPct val="120000"/>
-              </a:lnSpc>
-              <a:buFont typeface="Arial" panose="020B0604020202020204" pitchFamily="34" charset="0"/>
-              <a:buAutoNum type="arabicPeriod"/>
-            </a:pPr>
-            <a:r>
-              <a:rPr lang="en-US" sz="4600" dirty="0">
-                <a:solidFill>
-                  <a:schemeClr val="tx1"/>
-                </a:solidFill>
-                <a:latin typeface="Roboto" panose="02000000000000000000" pitchFamily="2" charset="0"/>
-                <a:ea typeface="Roboto" panose="02000000000000000000" pitchFamily="2" charset="0"/>
-              </a:rPr>
-              <a:t>Conclusions</a:t>
-            </a:r>
-          </a:p>
-        </p:txBody>
-      </p:sp>
-      <p:grpSp>
-        <p:nvGrpSpPr>
-          <p:cNvPr id="51" name="Group 35">
-            <a:extLst>
-              <a:ext uri="{FF2B5EF4-FFF2-40B4-BE49-F238E27FC236}">
-                <a16:creationId xmlns:a16="http://schemas.microsoft.com/office/drawing/2014/main" id="{58A8EAD7-8A26-CC47-9DCF-342AB81F0BD7}"/>
-              </a:ext>
-            </a:extLst>
-          </p:cNvPr>
-          <p:cNvGrpSpPr/>
-          <p:nvPr/>
-        </p:nvGrpSpPr>
-        <p:grpSpPr>
-          <a:xfrm>
-            <a:off x="2387305" y="6500705"/>
-            <a:ext cx="9566375" cy="84056"/>
-            <a:chOff x="3632040" y="5304907"/>
-            <a:chExt cx="8559959" cy="137006"/>
-          </a:xfrm>
-        </p:grpSpPr>
-        <p:grpSp>
-          <p:nvGrpSpPr>
-            <p:cNvPr id="52" name="Group 26">
-              <a:extLst>
-                <a:ext uri="{FF2B5EF4-FFF2-40B4-BE49-F238E27FC236}">
-                  <a16:creationId xmlns:a16="http://schemas.microsoft.com/office/drawing/2014/main" id="{BFF89B37-5D24-4440-9C59-F1F93F244CE8}"/>
-                </a:ext>
-              </a:extLst>
-            </p:cNvPr>
-            <p:cNvGrpSpPr/>
-            <p:nvPr/>
-          </p:nvGrpSpPr>
-          <p:grpSpPr>
-            <a:xfrm>
-              <a:off x="3632040" y="5310936"/>
-              <a:ext cx="4279981" cy="130977"/>
-              <a:chOff x="11445923" y="0"/>
-              <a:chExt cx="1119115" cy="2552282"/>
-            </a:xfrm>
-          </p:grpSpPr>
-          <p:sp>
-            <p:nvSpPr>
-              <p:cNvPr id="57" name="Rectangle 27">
-                <a:extLst>
-                  <a:ext uri="{FF2B5EF4-FFF2-40B4-BE49-F238E27FC236}">
-                    <a16:creationId xmlns:a16="http://schemas.microsoft.com/office/drawing/2014/main" id="{3BE3703F-8C85-1841-9AD2-01C73CBCABDD}"/>
-                  </a:ext>
-                </a:extLst>
-              </p:cNvPr>
-              <p:cNvSpPr/>
-              <p:nvPr/>
-            </p:nvSpPr>
-            <p:spPr>
-              <a:xfrm>
-                <a:off x="11818961" y="0"/>
-                <a:ext cx="373038" cy="2552282"/>
-              </a:xfrm>
-              <a:prstGeom prst="rect">
-                <a:avLst/>
-              </a:prstGeom>
-              <a:solidFill>
-                <a:schemeClr val="accent3"/>
-              </a:solidFill>
-              <a:ln>
-                <a:noFill/>
-              </a:ln>
-            </p:spPr>
-            <p:style>
-              <a:lnRef idx="2">
-                <a:schemeClr val="accent1">
-                  <a:shade val="50000"/>
-                </a:schemeClr>
-              </a:lnRef>
-              <a:fillRef idx="1">
-                <a:schemeClr val="accent1"/>
-              </a:fillRef>
-              <a:effectRef idx="0">
-                <a:schemeClr val="accent1"/>
-              </a:effectRef>
-              <a:fontRef idx="minor">
-                <a:schemeClr val="lt1"/>
-              </a:fontRef>
-            </p:style>
-            <p:txBody>
-              <a:bodyPr rot="0" spcFirstLastPara="0" vertOverflow="overflow" horzOverflow="overflow" vert="horz" wrap="square" lIns="91440" tIns="45720" rIns="91440" bIns="45720" numCol="1" spcCol="0" rtlCol="0" fromWordArt="0" anchor="ctr" anchorCtr="0" forceAA="0" compatLnSpc="1">
-                <a:prstTxWarp prst="textNoShape">
-                  <a:avLst/>
-                </a:prstTxWarp>
-                <a:noAutofit/>
-              </a:bodyPr>
-              <a:lstStyle/>
-              <a:p>
-                <a:pPr algn="ctr"/>
-                <a:endParaRPr lang="en-US" dirty="0"/>
-              </a:p>
-            </p:txBody>
-          </p:sp>
-          <p:sp>
-            <p:nvSpPr>
-              <p:cNvPr id="58" name="Rectangle 28">
-                <a:extLst>
-                  <a:ext uri="{FF2B5EF4-FFF2-40B4-BE49-F238E27FC236}">
-                    <a16:creationId xmlns:a16="http://schemas.microsoft.com/office/drawing/2014/main" id="{4668CDAE-00F1-744A-A868-599BAE0A4DFE}"/>
-                  </a:ext>
-                </a:extLst>
-              </p:cNvPr>
-              <p:cNvSpPr/>
-              <p:nvPr/>
-            </p:nvSpPr>
-            <p:spPr>
-              <a:xfrm>
-                <a:off x="11445923" y="0"/>
-                <a:ext cx="373038" cy="2552282"/>
-              </a:xfrm>
-              <a:prstGeom prst="rect">
-                <a:avLst/>
-              </a:prstGeom>
-              <a:solidFill>
-                <a:schemeClr val="accent2"/>
-              </a:solidFill>
-              <a:ln>
-                <a:noFill/>
-              </a:ln>
-            </p:spPr>
-            <p:style>
-              <a:lnRef idx="2">
-                <a:schemeClr val="accent1">
-                  <a:shade val="50000"/>
-                </a:schemeClr>
-              </a:lnRef>
-              <a:fillRef idx="1">
-                <a:schemeClr val="accent1"/>
-              </a:fillRef>
-              <a:effectRef idx="0">
-                <a:schemeClr val="accent1"/>
-              </a:effectRef>
-              <a:fontRef idx="minor">
-                <a:schemeClr val="lt1"/>
-              </a:fontRef>
-            </p:style>
-            <p:txBody>
-              <a:bodyPr rot="0" spcFirstLastPara="0" vertOverflow="overflow" horzOverflow="overflow" vert="horz" wrap="square" lIns="91440" tIns="45720" rIns="91440" bIns="45720" numCol="1" spcCol="0" rtlCol="0" fromWordArt="0" anchor="ctr" anchorCtr="0" forceAA="0" compatLnSpc="1">
-                <a:prstTxWarp prst="textNoShape">
-                  <a:avLst/>
-                </a:prstTxWarp>
-                <a:noAutofit/>
-              </a:bodyPr>
-              <a:lstStyle/>
-              <a:p>
-                <a:pPr algn="ctr"/>
-                <a:endParaRPr lang="en-US" dirty="0"/>
-              </a:p>
-            </p:txBody>
-          </p:sp>
-          <p:sp>
-            <p:nvSpPr>
-              <p:cNvPr id="59" name="Rectangle 29">
-                <a:extLst>
-                  <a:ext uri="{FF2B5EF4-FFF2-40B4-BE49-F238E27FC236}">
-                    <a16:creationId xmlns:a16="http://schemas.microsoft.com/office/drawing/2014/main" id="{CB293806-E058-FE40-90C5-A6B2DC856627}"/>
-                  </a:ext>
-                </a:extLst>
-              </p:cNvPr>
-              <p:cNvSpPr/>
-              <p:nvPr/>
-            </p:nvSpPr>
-            <p:spPr>
-              <a:xfrm>
-                <a:off x="12192000" y="0"/>
-                <a:ext cx="373038" cy="2552282"/>
-              </a:xfrm>
-              <a:prstGeom prst="rect">
-                <a:avLst/>
-              </a:prstGeom>
-              <a:solidFill>
-                <a:schemeClr val="accent1"/>
-              </a:solidFill>
-              <a:ln>
-                <a:noFill/>
-              </a:ln>
-            </p:spPr>
-            <p:style>
-              <a:lnRef idx="2">
-                <a:schemeClr val="accent1">
-                  <a:shade val="50000"/>
-                </a:schemeClr>
-              </a:lnRef>
-              <a:fillRef idx="1">
-                <a:schemeClr val="accent1"/>
-              </a:fillRef>
-              <a:effectRef idx="0">
-                <a:schemeClr val="accent1"/>
-              </a:effectRef>
-              <a:fontRef idx="minor">
-                <a:schemeClr val="lt1"/>
-              </a:fontRef>
-            </p:style>
-            <p:txBody>
-              <a:bodyPr rot="0" spcFirstLastPara="0" vertOverflow="overflow" horzOverflow="overflow" vert="horz" wrap="square" lIns="91440" tIns="45720" rIns="91440" bIns="45720" numCol="1" spcCol="0" rtlCol="0" fromWordArt="0" anchor="ctr" anchorCtr="0" forceAA="0" compatLnSpc="1">
-                <a:prstTxWarp prst="textNoShape">
-                  <a:avLst/>
-                </a:prstTxWarp>
-                <a:noAutofit/>
-              </a:bodyPr>
-              <a:lstStyle/>
-              <a:p>
-                <a:pPr algn="ctr"/>
-                <a:endParaRPr lang="en-US" dirty="0"/>
-              </a:p>
-            </p:txBody>
-          </p:sp>
-        </p:grpSp>
-        <p:grpSp>
-          <p:nvGrpSpPr>
-            <p:cNvPr id="53" name="Group 30">
-              <a:extLst>
-                <a:ext uri="{FF2B5EF4-FFF2-40B4-BE49-F238E27FC236}">
-                  <a16:creationId xmlns:a16="http://schemas.microsoft.com/office/drawing/2014/main" id="{A3BE53A7-B286-FF42-A224-BF1636DB45CD}"/>
-                </a:ext>
-              </a:extLst>
-            </p:cNvPr>
-            <p:cNvGrpSpPr/>
-            <p:nvPr/>
-          </p:nvGrpSpPr>
-          <p:grpSpPr>
-            <a:xfrm>
-              <a:off x="7912018" y="5304907"/>
-              <a:ext cx="4279981" cy="137006"/>
-              <a:chOff x="11445923" y="0"/>
-              <a:chExt cx="1119115" cy="2552282"/>
-            </a:xfrm>
-          </p:grpSpPr>
-          <p:sp>
-            <p:nvSpPr>
-              <p:cNvPr id="54" name="Rectangle 31">
-                <a:extLst>
-                  <a:ext uri="{FF2B5EF4-FFF2-40B4-BE49-F238E27FC236}">
-                    <a16:creationId xmlns:a16="http://schemas.microsoft.com/office/drawing/2014/main" id="{17E920DA-13DF-7B40-B8F5-4497708DA9EA}"/>
-                  </a:ext>
-                </a:extLst>
-              </p:cNvPr>
-              <p:cNvSpPr/>
-              <p:nvPr/>
-            </p:nvSpPr>
-            <p:spPr>
-              <a:xfrm>
-                <a:off x="11818961" y="0"/>
-                <a:ext cx="373038" cy="2552282"/>
-              </a:xfrm>
-              <a:prstGeom prst="rect">
-                <a:avLst/>
-              </a:prstGeom>
-              <a:solidFill>
-                <a:schemeClr val="accent3"/>
-              </a:solidFill>
-              <a:ln>
-                <a:noFill/>
-              </a:ln>
-            </p:spPr>
-            <p:style>
-              <a:lnRef idx="2">
-                <a:schemeClr val="accent1">
-                  <a:shade val="50000"/>
-                </a:schemeClr>
-              </a:lnRef>
-              <a:fillRef idx="1">
-                <a:schemeClr val="accent1"/>
-              </a:fillRef>
-              <a:effectRef idx="0">
-                <a:schemeClr val="accent1"/>
-              </a:effectRef>
-              <a:fontRef idx="minor">
-                <a:schemeClr val="lt1"/>
-              </a:fontRef>
-            </p:style>
-            <p:txBody>
-              <a:bodyPr rot="0" spcFirstLastPara="0" vertOverflow="overflow" horzOverflow="overflow" vert="horz" wrap="square" lIns="91440" tIns="45720" rIns="91440" bIns="45720" numCol="1" spcCol="0" rtlCol="0" fromWordArt="0" anchor="ctr" anchorCtr="0" forceAA="0" compatLnSpc="1">
-                <a:prstTxWarp prst="textNoShape">
-                  <a:avLst/>
-                </a:prstTxWarp>
-                <a:noAutofit/>
-              </a:bodyPr>
-              <a:lstStyle/>
-              <a:p>
-                <a:pPr algn="ctr"/>
-                <a:endParaRPr lang="en-US" dirty="0"/>
-              </a:p>
-            </p:txBody>
-          </p:sp>
-          <p:sp>
-            <p:nvSpPr>
-              <p:cNvPr id="55" name="Rectangle 32">
-                <a:extLst>
-                  <a:ext uri="{FF2B5EF4-FFF2-40B4-BE49-F238E27FC236}">
-                    <a16:creationId xmlns:a16="http://schemas.microsoft.com/office/drawing/2014/main" id="{DF96028D-B152-974F-BB2C-5E5827A4B63F}"/>
-                  </a:ext>
-                </a:extLst>
-              </p:cNvPr>
-              <p:cNvSpPr/>
-              <p:nvPr/>
-            </p:nvSpPr>
-            <p:spPr>
-              <a:xfrm>
-                <a:off x="11445923" y="0"/>
-                <a:ext cx="373038" cy="2552282"/>
-              </a:xfrm>
-              <a:prstGeom prst="rect">
-                <a:avLst/>
-              </a:prstGeom>
-              <a:solidFill>
-                <a:schemeClr val="accent2"/>
-              </a:solidFill>
-              <a:ln>
-                <a:noFill/>
-              </a:ln>
-            </p:spPr>
-            <p:style>
-              <a:lnRef idx="2">
-                <a:schemeClr val="accent1">
-                  <a:shade val="50000"/>
-                </a:schemeClr>
-              </a:lnRef>
-              <a:fillRef idx="1">
-                <a:schemeClr val="accent1"/>
-              </a:fillRef>
-              <a:effectRef idx="0">
-                <a:schemeClr val="accent1"/>
-              </a:effectRef>
-              <a:fontRef idx="minor">
-                <a:schemeClr val="lt1"/>
-              </a:fontRef>
-            </p:style>
-            <p:txBody>
-              <a:bodyPr rot="0" spcFirstLastPara="0" vertOverflow="overflow" horzOverflow="overflow" vert="horz" wrap="square" lIns="91440" tIns="45720" rIns="91440" bIns="45720" numCol="1" spcCol="0" rtlCol="0" fromWordArt="0" anchor="ctr" anchorCtr="0" forceAA="0" compatLnSpc="1">
-                <a:prstTxWarp prst="textNoShape">
-                  <a:avLst/>
-                </a:prstTxWarp>
-                <a:noAutofit/>
-              </a:bodyPr>
-              <a:lstStyle/>
-              <a:p>
-                <a:pPr algn="ctr"/>
-                <a:endParaRPr lang="en-US" dirty="0"/>
-              </a:p>
-            </p:txBody>
-          </p:sp>
-          <p:sp>
-            <p:nvSpPr>
-              <p:cNvPr id="56" name="Rectangle 33">
-                <a:extLst>
-                  <a:ext uri="{FF2B5EF4-FFF2-40B4-BE49-F238E27FC236}">
-                    <a16:creationId xmlns:a16="http://schemas.microsoft.com/office/drawing/2014/main" id="{C4E9BB48-0577-D04B-A5FE-4A4003BD9819}"/>
-                  </a:ext>
-                </a:extLst>
-              </p:cNvPr>
-              <p:cNvSpPr/>
-              <p:nvPr/>
-            </p:nvSpPr>
-            <p:spPr>
-              <a:xfrm>
-                <a:off x="12192000" y="0"/>
-                <a:ext cx="373038" cy="2552282"/>
-              </a:xfrm>
-              <a:prstGeom prst="rect">
-                <a:avLst/>
-              </a:prstGeom>
-              <a:solidFill>
-                <a:schemeClr val="accent1"/>
-              </a:solidFill>
-              <a:ln>
-                <a:noFill/>
-              </a:ln>
-            </p:spPr>
-            <p:style>
-              <a:lnRef idx="2">
-                <a:schemeClr val="accent1">
-                  <a:shade val="50000"/>
-                </a:schemeClr>
-              </a:lnRef>
-              <a:fillRef idx="1">
-                <a:schemeClr val="accent1"/>
-              </a:fillRef>
-              <a:effectRef idx="0">
-                <a:schemeClr val="accent1"/>
-              </a:effectRef>
-              <a:fontRef idx="minor">
-                <a:schemeClr val="lt1"/>
-              </a:fontRef>
-            </p:style>
-            <p:txBody>
-              <a:bodyPr rot="0" spcFirstLastPara="0" vertOverflow="overflow" horzOverflow="overflow" vert="horz" wrap="square" lIns="91440" tIns="45720" rIns="91440" bIns="45720" numCol="1" spcCol="0" rtlCol="0" fromWordArt="0" anchor="ctr" anchorCtr="0" forceAA="0" compatLnSpc="1">
-                <a:prstTxWarp prst="textNoShape">
-                  <a:avLst/>
-                </a:prstTxWarp>
-                <a:noAutofit/>
-              </a:bodyPr>
-              <a:lstStyle/>
-              <a:p>
-                <a:pPr algn="ctr"/>
-                <a:endParaRPr lang="en-US" dirty="0"/>
-              </a:p>
-            </p:txBody>
-          </p:sp>
-        </p:grpSp>
-      </p:grpSp>
-      <p:sp>
-        <p:nvSpPr>
-          <p:cNvPr id="12" name="TextBox 9">
-            <a:extLst>
-              <a:ext uri="{FF2B5EF4-FFF2-40B4-BE49-F238E27FC236}">
-                <a16:creationId xmlns:a16="http://schemas.microsoft.com/office/drawing/2014/main" id="{B4BA10E9-87F0-B04D-9A56-B379022411FE}"/>
-              </a:ext>
-            </a:extLst>
-          </p:cNvPr>
-          <p:cNvSpPr txBox="1"/>
-          <p:nvPr/>
-        </p:nvSpPr>
-        <p:spPr>
-          <a:xfrm>
-            <a:off x="7690399" y="5476765"/>
-            <a:ext cx="4263276" cy="1107996"/>
-          </a:xfrm>
-          <a:prstGeom prst="rect">
-            <a:avLst/>
-          </a:prstGeom>
-          <a:noFill/>
-        </p:spPr>
-        <p:txBody>
-          <a:bodyPr wrap="square" rtlCol="0">
-            <a:spAutoFit/>
-          </a:bodyPr>
-          <a:lstStyle/>
-          <a:p>
-            <a:pPr algn="ctr"/>
-            <a:r>
-              <a:rPr lang="en-US" altLang="ko-KR" sz="6600" b="1" dirty="0">
-                <a:solidFill>
-                  <a:schemeClr val="tx1">
-                    <a:lumMod val="50000"/>
-                    <a:lumOff val="50000"/>
-                  </a:schemeClr>
-                </a:solidFill>
-                <a:latin typeface="Roboto" panose="02000000000000000000" pitchFamily="2" charset="0"/>
-                <a:ea typeface="Roboto" panose="02000000000000000000" pitchFamily="2" charset="0"/>
-              </a:rPr>
-              <a:t>ROADMAP</a:t>
-            </a:r>
-          </a:p>
-        </p:txBody>
-      </p:sp>
-    </p:spTree>
-    <p:extLst>
-      <p:ext uri="{BB962C8B-B14F-4D97-AF65-F5344CB8AC3E}">
-        <p14:creationId xmlns:p14="http://schemas.microsoft.com/office/powerpoint/2010/main" val="505119248"/>
-      </p:ext>
-    </p:extLst>
-  </p:cSld>
-  <p:clrMapOvr>
-    <a:masterClrMapping/>
-  </p:clrMapOvr>
-</p:sld>
-</file>
-
-<file path=ppt/slides/slide3.xml><?xml version="1.0" encoding="utf-8"?>
-<p:sld xmlns:a="http://schemas.openxmlformats.org/drawingml/2006/main" xmlns:r="http://schemas.openxmlformats.org/officeDocument/2006/relationships" xmlns:p="http://schemas.openxmlformats.org/presentationml/2006/main">
-  <p:cSld>
-    <p:spTree>
-      <p:nvGrpSpPr>
-        <p:cNvPr id="1" name=""/>
-        <p:cNvGrpSpPr/>
-        <p:nvPr/>
-      </p:nvGrpSpPr>
-      <p:grpSpPr>
-        <a:xfrm>
-          <a:off x="0" y="0"/>
-          <a:ext cx="0" cy="0"/>
-          <a:chOff x="0" y="0"/>
-          <a:chExt cx="0" cy="0"/>
-        </a:xfrm>
-      </p:grpSpPr>
-      <p:sp>
-        <p:nvSpPr>
-          <p:cNvPr id="3" name="Text Placeholder 2">
-            <a:extLst>
-              <a:ext uri="{FF2B5EF4-FFF2-40B4-BE49-F238E27FC236}">
-                <a16:creationId xmlns:a16="http://schemas.microsoft.com/office/drawing/2014/main" id="{BBFC999B-DC05-415E-8D2F-B903A8AF4A8C}"/>
-              </a:ext>
-            </a:extLst>
-          </p:cNvPr>
-          <p:cNvSpPr>
-            <a:spLocks noGrp="1"/>
-          </p:cNvSpPr>
-          <p:nvPr>
-            <p:ph type="body" sz="quarter" idx="10"/>
-          </p:nvPr>
-        </p:nvSpPr>
-        <p:spPr>
-          <a:xfrm>
-            <a:off x="584215" y="273239"/>
-            <a:ext cx="10861149" cy="6070052"/>
-          </a:xfrm>
-        </p:spPr>
-        <p:txBody>
-          <a:bodyPr>
-            <a:normAutofit/>
-          </a:bodyPr>
-          <a:lstStyle/>
-          <a:p>
-            <a:pPr marL="742913" indent="-742913" algn="l">
-              <a:lnSpc>
-                <a:spcPct val="120000"/>
-              </a:lnSpc>
-              <a:buFont typeface="Arial" panose="020B0604020202020204" pitchFamily="34" charset="0"/>
-              <a:buAutoNum type="arabicPeriod"/>
-            </a:pPr>
-            <a:r>
-              <a:rPr lang="en-US" sz="4600" dirty="0">
-                <a:solidFill>
-                  <a:schemeClr val="tx1"/>
-                </a:solidFill>
-                <a:latin typeface="Roboto" panose="02000000000000000000" pitchFamily="2" charset="0"/>
-                <a:ea typeface="Roboto" panose="02000000000000000000" pitchFamily="2" charset="0"/>
-              </a:rPr>
-              <a:t>Introduction</a:t>
-            </a:r>
-          </a:p>
-          <a:p>
-            <a:pPr marL="742913" indent="-742913" algn="l">
-              <a:lnSpc>
-                <a:spcPct val="120000"/>
-              </a:lnSpc>
-              <a:buFont typeface="Arial" panose="020B0604020202020204" pitchFamily="34" charset="0"/>
-              <a:buAutoNum type="arabicPeriod"/>
-            </a:pPr>
-            <a:r>
-              <a:rPr lang="en-US" sz="4600" dirty="0">
-                <a:solidFill>
-                  <a:schemeClr val="bg2">
-                    <a:lumMod val="75000"/>
-                  </a:schemeClr>
-                </a:solidFill>
-                <a:latin typeface="Roboto" panose="02000000000000000000" pitchFamily="2" charset="0"/>
-                <a:ea typeface="Roboto" panose="02000000000000000000" pitchFamily="2" charset="0"/>
-              </a:rPr>
-              <a:t>Technologies and tools</a:t>
-            </a:r>
-          </a:p>
-          <a:p>
-            <a:pPr marL="742913" indent="-742913" algn="l">
-              <a:lnSpc>
-                <a:spcPct val="120000"/>
-              </a:lnSpc>
-              <a:buFont typeface="Arial" panose="020B0604020202020204" pitchFamily="34" charset="0"/>
-              <a:buAutoNum type="arabicPeriod"/>
-            </a:pPr>
-            <a:r>
-              <a:rPr lang="en-US" sz="4600" dirty="0">
-                <a:solidFill>
-                  <a:schemeClr val="bg2">
-                    <a:lumMod val="75000"/>
-                  </a:schemeClr>
-                </a:solidFill>
-                <a:latin typeface="Roboto" panose="02000000000000000000" pitchFamily="2" charset="0"/>
-                <a:ea typeface="Roboto" panose="02000000000000000000" pitchFamily="2" charset="0"/>
-              </a:rPr>
-              <a:t>SQL vs NoSQL </a:t>
-            </a:r>
-          </a:p>
-          <a:p>
-            <a:pPr marL="742913" indent="-742913" algn="l">
-              <a:lnSpc>
-                <a:spcPct val="120000"/>
-              </a:lnSpc>
-              <a:buFont typeface="Arial" panose="020B0604020202020204" pitchFamily="34" charset="0"/>
-              <a:buAutoNum type="arabicPeriod"/>
-            </a:pPr>
-            <a:r>
-              <a:rPr lang="en-US" sz="4600" dirty="0">
-                <a:solidFill>
-                  <a:schemeClr val="bg2">
-                    <a:lumMod val="75000"/>
-                  </a:schemeClr>
-                </a:solidFill>
-                <a:latin typeface="Roboto" panose="02000000000000000000" pitchFamily="2" charset="0"/>
-                <a:ea typeface="Roboto" panose="02000000000000000000" pitchFamily="2" charset="0"/>
-              </a:rPr>
-              <a:t>Demo </a:t>
-            </a:r>
-          </a:p>
-          <a:p>
-            <a:pPr marL="742913" indent="-742913" algn="l">
-              <a:lnSpc>
-                <a:spcPct val="120000"/>
-              </a:lnSpc>
-              <a:buFont typeface="Arial" panose="020B0604020202020204" pitchFamily="34" charset="0"/>
-              <a:buAutoNum type="arabicPeriod"/>
-            </a:pPr>
-            <a:r>
-              <a:rPr lang="en-US" sz="4600" dirty="0">
-                <a:solidFill>
-                  <a:schemeClr val="bg2">
-                    <a:lumMod val="75000"/>
-                  </a:schemeClr>
-                </a:solidFill>
-                <a:latin typeface="Roboto" panose="02000000000000000000" pitchFamily="2" charset="0"/>
-                <a:ea typeface="Roboto" panose="02000000000000000000" pitchFamily="2" charset="0"/>
-              </a:rPr>
-              <a:t>Conclusions</a:t>
-            </a:r>
-          </a:p>
-        </p:txBody>
-      </p:sp>
-      <p:grpSp>
-        <p:nvGrpSpPr>
-          <p:cNvPr id="51" name="Group 35">
-            <a:extLst>
-              <a:ext uri="{FF2B5EF4-FFF2-40B4-BE49-F238E27FC236}">
-                <a16:creationId xmlns:a16="http://schemas.microsoft.com/office/drawing/2014/main" id="{58A8EAD7-8A26-CC47-9DCF-342AB81F0BD7}"/>
-              </a:ext>
-            </a:extLst>
-          </p:cNvPr>
-          <p:cNvGrpSpPr/>
-          <p:nvPr/>
-        </p:nvGrpSpPr>
-        <p:grpSpPr>
-          <a:xfrm>
-            <a:off x="2387305" y="6500705"/>
-            <a:ext cx="9566375" cy="84056"/>
-            <a:chOff x="3632040" y="5304907"/>
-            <a:chExt cx="8559959" cy="137006"/>
-          </a:xfrm>
-        </p:grpSpPr>
-        <p:grpSp>
-          <p:nvGrpSpPr>
-            <p:cNvPr id="52" name="Group 26">
-              <a:extLst>
-                <a:ext uri="{FF2B5EF4-FFF2-40B4-BE49-F238E27FC236}">
-                  <a16:creationId xmlns:a16="http://schemas.microsoft.com/office/drawing/2014/main" id="{BFF89B37-5D24-4440-9C59-F1F93F244CE8}"/>
-                </a:ext>
-              </a:extLst>
-            </p:cNvPr>
-            <p:cNvGrpSpPr/>
-            <p:nvPr/>
-          </p:nvGrpSpPr>
-          <p:grpSpPr>
-            <a:xfrm>
-              <a:off x="3632040" y="5310936"/>
-              <a:ext cx="4279981" cy="130977"/>
-              <a:chOff x="11445923" y="0"/>
-              <a:chExt cx="1119115" cy="2552282"/>
-            </a:xfrm>
-          </p:grpSpPr>
-          <p:sp>
-            <p:nvSpPr>
-              <p:cNvPr id="57" name="Rectangle 27">
-                <a:extLst>
-                  <a:ext uri="{FF2B5EF4-FFF2-40B4-BE49-F238E27FC236}">
-                    <a16:creationId xmlns:a16="http://schemas.microsoft.com/office/drawing/2014/main" id="{3BE3703F-8C85-1841-9AD2-01C73CBCABDD}"/>
-                  </a:ext>
-                </a:extLst>
-              </p:cNvPr>
-              <p:cNvSpPr/>
-              <p:nvPr/>
-            </p:nvSpPr>
-            <p:spPr>
-              <a:xfrm>
-                <a:off x="11818961" y="0"/>
-                <a:ext cx="373038" cy="2552282"/>
-              </a:xfrm>
-              <a:prstGeom prst="rect">
-                <a:avLst/>
-              </a:prstGeom>
-              <a:solidFill>
-                <a:schemeClr val="accent3"/>
-              </a:solidFill>
-              <a:ln>
-                <a:noFill/>
-              </a:ln>
-            </p:spPr>
-            <p:style>
-              <a:lnRef idx="2">
-                <a:schemeClr val="accent1">
-                  <a:shade val="50000"/>
-                </a:schemeClr>
-              </a:lnRef>
-              <a:fillRef idx="1">
-                <a:schemeClr val="accent1"/>
-              </a:fillRef>
-              <a:effectRef idx="0">
-                <a:schemeClr val="accent1"/>
-              </a:effectRef>
-              <a:fontRef idx="minor">
-                <a:schemeClr val="lt1"/>
-              </a:fontRef>
-            </p:style>
-            <p:txBody>
-              <a:bodyPr rot="0" spcFirstLastPara="0" vertOverflow="overflow" horzOverflow="overflow" vert="horz" wrap="square" lIns="91440" tIns="45720" rIns="91440" bIns="45720" numCol="1" spcCol="0" rtlCol="0" fromWordArt="0" anchor="ctr" anchorCtr="0" forceAA="0" compatLnSpc="1">
-                <a:prstTxWarp prst="textNoShape">
-                  <a:avLst/>
-                </a:prstTxWarp>
-                <a:noAutofit/>
-              </a:bodyPr>
-              <a:lstStyle/>
-              <a:p>
-                <a:pPr algn="ctr"/>
-                <a:endParaRPr lang="en-US" dirty="0"/>
-              </a:p>
-            </p:txBody>
-          </p:sp>
-          <p:sp>
-            <p:nvSpPr>
-              <p:cNvPr id="58" name="Rectangle 28">
-                <a:extLst>
-                  <a:ext uri="{FF2B5EF4-FFF2-40B4-BE49-F238E27FC236}">
-                    <a16:creationId xmlns:a16="http://schemas.microsoft.com/office/drawing/2014/main" id="{4668CDAE-00F1-744A-A868-599BAE0A4DFE}"/>
-                  </a:ext>
-                </a:extLst>
-              </p:cNvPr>
-              <p:cNvSpPr/>
-              <p:nvPr/>
-            </p:nvSpPr>
-            <p:spPr>
-              <a:xfrm>
-                <a:off x="11445923" y="0"/>
-                <a:ext cx="373038" cy="2552282"/>
-              </a:xfrm>
-              <a:prstGeom prst="rect">
-                <a:avLst/>
-              </a:prstGeom>
-              <a:solidFill>
-                <a:schemeClr val="accent2"/>
-              </a:solidFill>
-              <a:ln>
-                <a:noFill/>
-              </a:ln>
-            </p:spPr>
-            <p:style>
-              <a:lnRef idx="2">
-                <a:schemeClr val="accent1">
-                  <a:shade val="50000"/>
-                </a:schemeClr>
-              </a:lnRef>
-              <a:fillRef idx="1">
-                <a:schemeClr val="accent1"/>
-              </a:fillRef>
-              <a:effectRef idx="0">
-                <a:schemeClr val="accent1"/>
-              </a:effectRef>
-              <a:fontRef idx="minor">
-                <a:schemeClr val="lt1"/>
-              </a:fontRef>
-            </p:style>
-            <p:txBody>
-              <a:bodyPr rot="0" spcFirstLastPara="0" vertOverflow="overflow" horzOverflow="overflow" vert="horz" wrap="square" lIns="91440" tIns="45720" rIns="91440" bIns="45720" numCol="1" spcCol="0" rtlCol="0" fromWordArt="0" anchor="ctr" anchorCtr="0" forceAA="0" compatLnSpc="1">
-                <a:prstTxWarp prst="textNoShape">
-                  <a:avLst/>
-                </a:prstTxWarp>
-                <a:noAutofit/>
-              </a:bodyPr>
-              <a:lstStyle/>
-              <a:p>
-                <a:pPr algn="ctr"/>
-                <a:endParaRPr lang="en-US" dirty="0"/>
-              </a:p>
-            </p:txBody>
-          </p:sp>
-          <p:sp>
-            <p:nvSpPr>
-              <p:cNvPr id="59" name="Rectangle 29">
-                <a:extLst>
-                  <a:ext uri="{FF2B5EF4-FFF2-40B4-BE49-F238E27FC236}">
-                    <a16:creationId xmlns:a16="http://schemas.microsoft.com/office/drawing/2014/main" id="{CB293806-E058-FE40-90C5-A6B2DC856627}"/>
-                  </a:ext>
-                </a:extLst>
-              </p:cNvPr>
-              <p:cNvSpPr/>
-              <p:nvPr/>
-            </p:nvSpPr>
-            <p:spPr>
-              <a:xfrm>
-                <a:off x="12192000" y="0"/>
-                <a:ext cx="373038" cy="2552282"/>
-              </a:xfrm>
-              <a:prstGeom prst="rect">
-                <a:avLst/>
-              </a:prstGeom>
-              <a:solidFill>
-                <a:schemeClr val="accent1"/>
-              </a:solidFill>
-              <a:ln>
-                <a:noFill/>
-              </a:ln>
-            </p:spPr>
-            <p:style>
-              <a:lnRef idx="2">
-                <a:schemeClr val="accent1">
-                  <a:shade val="50000"/>
-                </a:schemeClr>
-              </a:lnRef>
-              <a:fillRef idx="1">
-                <a:schemeClr val="accent1"/>
-              </a:fillRef>
-              <a:effectRef idx="0">
-                <a:schemeClr val="accent1"/>
-              </a:effectRef>
-              <a:fontRef idx="minor">
-                <a:schemeClr val="lt1"/>
-              </a:fontRef>
-            </p:style>
-            <p:txBody>
-              <a:bodyPr rot="0" spcFirstLastPara="0" vertOverflow="overflow" horzOverflow="overflow" vert="horz" wrap="square" lIns="91440" tIns="45720" rIns="91440" bIns="45720" numCol="1" spcCol="0" rtlCol="0" fromWordArt="0" anchor="ctr" anchorCtr="0" forceAA="0" compatLnSpc="1">
-                <a:prstTxWarp prst="textNoShape">
-                  <a:avLst/>
-                </a:prstTxWarp>
-                <a:noAutofit/>
-              </a:bodyPr>
-              <a:lstStyle/>
-              <a:p>
-                <a:pPr algn="ctr"/>
-                <a:endParaRPr lang="en-US" dirty="0"/>
-              </a:p>
-            </p:txBody>
-          </p:sp>
-        </p:grpSp>
-        <p:grpSp>
-          <p:nvGrpSpPr>
-            <p:cNvPr id="53" name="Group 30">
-              <a:extLst>
-                <a:ext uri="{FF2B5EF4-FFF2-40B4-BE49-F238E27FC236}">
-                  <a16:creationId xmlns:a16="http://schemas.microsoft.com/office/drawing/2014/main" id="{A3BE53A7-B286-FF42-A224-BF1636DB45CD}"/>
-                </a:ext>
-              </a:extLst>
-            </p:cNvPr>
-            <p:cNvGrpSpPr/>
-            <p:nvPr/>
-          </p:nvGrpSpPr>
-          <p:grpSpPr>
-            <a:xfrm>
-              <a:off x="7912018" y="5304907"/>
-              <a:ext cx="4279981" cy="137006"/>
-              <a:chOff x="11445923" y="0"/>
-              <a:chExt cx="1119115" cy="2552282"/>
-            </a:xfrm>
-          </p:grpSpPr>
-          <p:sp>
-            <p:nvSpPr>
-              <p:cNvPr id="54" name="Rectangle 31">
-                <a:extLst>
-                  <a:ext uri="{FF2B5EF4-FFF2-40B4-BE49-F238E27FC236}">
-                    <a16:creationId xmlns:a16="http://schemas.microsoft.com/office/drawing/2014/main" id="{17E920DA-13DF-7B40-B8F5-4497708DA9EA}"/>
-                  </a:ext>
-                </a:extLst>
-              </p:cNvPr>
-              <p:cNvSpPr/>
-              <p:nvPr/>
-            </p:nvSpPr>
-            <p:spPr>
-              <a:xfrm>
-                <a:off x="11818961" y="0"/>
-                <a:ext cx="373038" cy="2552282"/>
-              </a:xfrm>
-              <a:prstGeom prst="rect">
-                <a:avLst/>
-              </a:prstGeom>
-              <a:solidFill>
-                <a:schemeClr val="accent3"/>
-              </a:solidFill>
-              <a:ln>
-                <a:noFill/>
-              </a:ln>
-            </p:spPr>
-            <p:style>
-              <a:lnRef idx="2">
-                <a:schemeClr val="accent1">
-                  <a:shade val="50000"/>
-                </a:schemeClr>
-              </a:lnRef>
-              <a:fillRef idx="1">
-                <a:schemeClr val="accent1"/>
-              </a:fillRef>
-              <a:effectRef idx="0">
-                <a:schemeClr val="accent1"/>
-              </a:effectRef>
-              <a:fontRef idx="minor">
-                <a:schemeClr val="lt1"/>
-              </a:fontRef>
-            </p:style>
-            <p:txBody>
-              <a:bodyPr rot="0" spcFirstLastPara="0" vertOverflow="overflow" horzOverflow="overflow" vert="horz" wrap="square" lIns="91440" tIns="45720" rIns="91440" bIns="45720" numCol="1" spcCol="0" rtlCol="0" fromWordArt="0" anchor="ctr" anchorCtr="0" forceAA="0" compatLnSpc="1">
-                <a:prstTxWarp prst="textNoShape">
-                  <a:avLst/>
-                </a:prstTxWarp>
-                <a:noAutofit/>
-              </a:bodyPr>
-              <a:lstStyle/>
-              <a:p>
-                <a:pPr algn="ctr"/>
-                <a:endParaRPr lang="en-US" dirty="0"/>
-              </a:p>
-            </p:txBody>
-          </p:sp>
-          <p:sp>
-            <p:nvSpPr>
-              <p:cNvPr id="55" name="Rectangle 32">
-                <a:extLst>
-                  <a:ext uri="{FF2B5EF4-FFF2-40B4-BE49-F238E27FC236}">
-                    <a16:creationId xmlns:a16="http://schemas.microsoft.com/office/drawing/2014/main" id="{DF96028D-B152-974F-BB2C-5E5827A4B63F}"/>
-                  </a:ext>
-                </a:extLst>
-              </p:cNvPr>
-              <p:cNvSpPr/>
-              <p:nvPr/>
-            </p:nvSpPr>
-            <p:spPr>
-              <a:xfrm>
-                <a:off x="11445923" y="0"/>
-                <a:ext cx="373038" cy="2552282"/>
-              </a:xfrm>
-              <a:prstGeom prst="rect">
-                <a:avLst/>
-              </a:prstGeom>
-              <a:solidFill>
-                <a:schemeClr val="accent2"/>
-              </a:solidFill>
-              <a:ln>
-                <a:noFill/>
-              </a:ln>
-            </p:spPr>
-            <p:style>
-              <a:lnRef idx="2">
-                <a:schemeClr val="accent1">
-                  <a:shade val="50000"/>
-                </a:schemeClr>
-              </a:lnRef>
-              <a:fillRef idx="1">
-                <a:schemeClr val="accent1"/>
-              </a:fillRef>
-              <a:effectRef idx="0">
-                <a:schemeClr val="accent1"/>
-              </a:effectRef>
-              <a:fontRef idx="minor">
-                <a:schemeClr val="lt1"/>
-              </a:fontRef>
-            </p:style>
-            <p:txBody>
-              <a:bodyPr rot="0" spcFirstLastPara="0" vertOverflow="overflow" horzOverflow="overflow" vert="horz" wrap="square" lIns="91440" tIns="45720" rIns="91440" bIns="45720" numCol="1" spcCol="0" rtlCol="0" fromWordArt="0" anchor="ctr" anchorCtr="0" forceAA="0" compatLnSpc="1">
-                <a:prstTxWarp prst="textNoShape">
-                  <a:avLst/>
-                </a:prstTxWarp>
-                <a:noAutofit/>
-              </a:bodyPr>
-              <a:lstStyle/>
-              <a:p>
-                <a:pPr algn="ctr"/>
-                <a:endParaRPr lang="en-US" dirty="0"/>
-              </a:p>
-            </p:txBody>
-          </p:sp>
-          <p:sp>
-            <p:nvSpPr>
-              <p:cNvPr id="56" name="Rectangle 33">
-                <a:extLst>
-                  <a:ext uri="{FF2B5EF4-FFF2-40B4-BE49-F238E27FC236}">
-                    <a16:creationId xmlns:a16="http://schemas.microsoft.com/office/drawing/2014/main" id="{C4E9BB48-0577-D04B-A5FE-4A4003BD9819}"/>
-                  </a:ext>
-                </a:extLst>
-              </p:cNvPr>
-              <p:cNvSpPr/>
-              <p:nvPr/>
-            </p:nvSpPr>
-            <p:spPr>
-              <a:xfrm>
-                <a:off x="12192000" y="0"/>
-                <a:ext cx="373038" cy="2552282"/>
-              </a:xfrm>
-              <a:prstGeom prst="rect">
-                <a:avLst/>
-              </a:prstGeom>
-              <a:solidFill>
-                <a:schemeClr val="accent1"/>
-              </a:solidFill>
-              <a:ln>
-                <a:noFill/>
-              </a:ln>
-            </p:spPr>
-            <p:style>
-              <a:lnRef idx="2">
-                <a:schemeClr val="accent1">
-                  <a:shade val="50000"/>
-                </a:schemeClr>
-              </a:lnRef>
-              <a:fillRef idx="1">
-                <a:schemeClr val="accent1"/>
-              </a:fillRef>
-              <a:effectRef idx="0">
-                <a:schemeClr val="accent1"/>
-              </a:effectRef>
-              <a:fontRef idx="minor">
-                <a:schemeClr val="lt1"/>
-              </a:fontRef>
-            </p:style>
-            <p:txBody>
-              <a:bodyPr rot="0" spcFirstLastPara="0" vertOverflow="overflow" horzOverflow="overflow" vert="horz" wrap="square" lIns="91440" tIns="45720" rIns="91440" bIns="45720" numCol="1" spcCol="0" rtlCol="0" fromWordArt="0" anchor="ctr" anchorCtr="0" forceAA="0" compatLnSpc="1">
-                <a:prstTxWarp prst="textNoShape">
-                  <a:avLst/>
-                </a:prstTxWarp>
-                <a:noAutofit/>
-              </a:bodyPr>
-              <a:lstStyle/>
-              <a:p>
-                <a:pPr algn="ctr"/>
-                <a:endParaRPr lang="en-US" dirty="0"/>
-              </a:p>
-            </p:txBody>
-          </p:sp>
-        </p:grpSp>
-      </p:grpSp>
-      <p:sp>
-        <p:nvSpPr>
-          <p:cNvPr id="12" name="TextBox 9">
-            <a:extLst>
-              <a:ext uri="{FF2B5EF4-FFF2-40B4-BE49-F238E27FC236}">
-                <a16:creationId xmlns:a16="http://schemas.microsoft.com/office/drawing/2014/main" id="{B4BA10E9-87F0-B04D-9A56-B379022411FE}"/>
-              </a:ext>
-            </a:extLst>
-          </p:cNvPr>
-          <p:cNvSpPr txBox="1"/>
-          <p:nvPr/>
-        </p:nvSpPr>
-        <p:spPr>
-          <a:xfrm>
-            <a:off x="7690399" y="5476765"/>
-            <a:ext cx="4263276" cy="1107996"/>
-          </a:xfrm>
-          <a:prstGeom prst="rect">
-            <a:avLst/>
-          </a:prstGeom>
-          <a:noFill/>
-        </p:spPr>
-        <p:txBody>
-          <a:bodyPr wrap="square" rtlCol="0">
-            <a:spAutoFit/>
-          </a:bodyPr>
-          <a:lstStyle/>
-          <a:p>
-            <a:pPr algn="ctr"/>
-            <a:r>
-              <a:rPr lang="en-US" altLang="ko-KR" sz="6600" b="1" dirty="0">
-                <a:solidFill>
-                  <a:schemeClr val="tx1">
-                    <a:lumMod val="50000"/>
-                    <a:lumOff val="50000"/>
-                  </a:schemeClr>
-                </a:solidFill>
-                <a:latin typeface="Roboto" panose="02000000000000000000" pitchFamily="2" charset="0"/>
-                <a:ea typeface="Roboto" panose="02000000000000000000" pitchFamily="2" charset="0"/>
-              </a:rPr>
-              <a:t>ROADMAP</a:t>
-            </a:r>
-          </a:p>
-        </p:txBody>
-      </p:sp>
-    </p:spTree>
-    <p:extLst>
-      <p:ext uri="{BB962C8B-B14F-4D97-AF65-F5344CB8AC3E}">
-        <p14:creationId xmlns:p14="http://schemas.microsoft.com/office/powerpoint/2010/main" val="3685580777"/>
-      </p:ext>
-    </p:extLst>
-  </p:cSld>
-  <p:clrMapOvr>
-    <a:masterClrMapping/>
-  </p:clrMapOvr>
-</p:sld>
-</file>
-
-<file path=ppt/slides/slide4.xml><?xml version="1.0" encoding="utf-8"?>
-<p:sld xmlns:a="http://schemas.openxmlformats.org/drawingml/2006/main" xmlns:r="http://schemas.openxmlformats.org/officeDocument/2006/relationships" xmlns:p="http://schemas.openxmlformats.org/presentationml/2006/main">
-  <p:cSld>
-    <p:spTree>
-      <p:nvGrpSpPr>
-        <p:cNvPr id="1" name=""/>
-        <p:cNvGrpSpPr/>
-        <p:nvPr/>
-      </p:nvGrpSpPr>
-      <p:grpSpPr>
-        <a:xfrm>
-          <a:off x="0" y="0"/>
-          <a:ext cx="0" cy="0"/>
-          <a:chOff x="0" y="0"/>
-          <a:chExt cx="0" cy="0"/>
-        </a:xfrm>
-      </p:grpSpPr>
-      <p:pic>
-        <p:nvPicPr>
-          <p:cNvPr id="23" name="Gráfico 22">
-            <a:extLst>
-              <a:ext uri="{FF2B5EF4-FFF2-40B4-BE49-F238E27FC236}">
-                <a16:creationId xmlns:a16="http://schemas.microsoft.com/office/drawing/2014/main" id="{E6FF71D7-3D5F-4EE4-8608-A9EC6FADCC85}"/>
-              </a:ext>
-            </a:extLst>
-          </p:cNvPr>
-          <p:cNvPicPr>
-            <a:picLocks noChangeAspect="1"/>
-          </p:cNvPicPr>
-          <p:nvPr/>
-        </p:nvPicPr>
-        <p:blipFill>
-          <a:blip r:embed="rId2">
-            <a:extLst>
-              <a:ext uri="{28A0092B-C50C-407E-A947-70E740481C1C}">
-                <a14:useLocalDpi xmlns:a14="http://schemas.microsoft.com/office/drawing/2010/main" val="0"/>
-              </a:ext>
-              <a:ext uri="{96DAC541-7B7A-43D3-8B79-37D633B846F1}">
-                <asvg:svgBlip xmlns:asvg="http://schemas.microsoft.com/office/drawing/2016/SVG/main" r:embed="rId3"/>
-              </a:ext>
-            </a:extLst>
-          </a:blip>
-          <a:stretch>
-            <a:fillRect/>
-          </a:stretch>
-        </p:blipFill>
-        <p:spPr>
-          <a:xfrm>
-            <a:off x="450757" y="442969"/>
-            <a:ext cx="1165114" cy="1165114"/>
-          </a:xfrm>
-          <a:prstGeom prst="rect">
-            <a:avLst/>
-          </a:prstGeom>
-        </p:spPr>
-      </p:pic>
-      <p:sp>
-        <p:nvSpPr>
-          <p:cNvPr id="3" name="Elipse 2">
-            <a:extLst>
-              <a:ext uri="{FF2B5EF4-FFF2-40B4-BE49-F238E27FC236}">
-                <a16:creationId xmlns:a16="http://schemas.microsoft.com/office/drawing/2014/main" id="{23E808B8-1BF3-4782-8368-106D214E8332}"/>
-              </a:ext>
-            </a:extLst>
-          </p:cNvPr>
-          <p:cNvSpPr>
-            <a:spLocks noChangeAspect="1"/>
-          </p:cNvSpPr>
-          <p:nvPr/>
-        </p:nvSpPr>
-        <p:spPr>
-          <a:xfrm>
-            <a:off x="11037744" y="752355"/>
-            <a:ext cx="867133" cy="855728"/>
-          </a:xfrm>
-          <a:prstGeom prst="ellipse">
-            <a:avLst/>
-          </a:prstGeom>
-          <a:solidFill>
-            <a:schemeClr val="accent1"/>
-          </a:solidFill>
-          <a:ln>
-            <a:noFill/>
-          </a:ln>
-        </p:spPr>
-        <p:style>
-          <a:lnRef idx="2">
-            <a:schemeClr val="accent1">
-              <a:shade val="50000"/>
-            </a:schemeClr>
-          </a:lnRef>
-          <a:fillRef idx="1">
-            <a:schemeClr val="accent1"/>
-          </a:fillRef>
-          <a:effectRef idx="0">
-            <a:schemeClr val="accent1"/>
-          </a:effectRef>
-          <a:fontRef idx="minor">
-            <a:schemeClr val="lt1"/>
-          </a:fontRef>
-        </p:style>
-        <p:txBody>
-          <a:bodyPr rtlCol="0" anchor="ctr"/>
-          <a:lstStyle/>
-          <a:p>
-            <a:pPr algn="ctr"/>
-            <a:r>
-              <a:rPr lang="es-ES" sz="2800" dirty="0">
-                <a:latin typeface="Roboto" panose="02000000000000000000" pitchFamily="2" charset="0"/>
-                <a:ea typeface="Roboto" panose="02000000000000000000" pitchFamily="2" charset="0"/>
-              </a:rPr>
-              <a:t>1</a:t>
-            </a:r>
-          </a:p>
-        </p:txBody>
-      </p:sp>
-      <p:sp>
-        <p:nvSpPr>
-          <p:cNvPr id="4" name="Text Placeholder 2">
-            <a:extLst>
-              <a:ext uri="{FF2B5EF4-FFF2-40B4-BE49-F238E27FC236}">
-                <a16:creationId xmlns:a16="http://schemas.microsoft.com/office/drawing/2014/main" id="{B045054C-78D7-447B-A8B2-3025E5CF2227}"/>
-              </a:ext>
-            </a:extLst>
-          </p:cNvPr>
-          <p:cNvSpPr>
-            <a:spLocks noGrp="1"/>
-          </p:cNvSpPr>
-          <p:nvPr>
-            <p:ph type="body" sz="quarter" idx="10"/>
-          </p:nvPr>
-        </p:nvSpPr>
-        <p:spPr>
-          <a:xfrm>
-            <a:off x="1562388" y="442969"/>
-            <a:ext cx="9724291" cy="724247"/>
-          </a:xfrm>
-        </p:spPr>
-        <p:txBody>
-          <a:bodyPr>
-            <a:normAutofit fontScale="92500" lnSpcReduction="10000"/>
-          </a:bodyPr>
-          <a:lstStyle/>
-          <a:p>
-            <a:pPr algn="l"/>
-            <a:r>
-              <a:rPr lang="en-US" dirty="0">
-                <a:latin typeface="Roboto" panose="02000000000000000000" pitchFamily="2" charset="0"/>
-                <a:ea typeface="Roboto" panose="02000000000000000000" pitchFamily="2" charset="0"/>
-              </a:rPr>
-              <a:t>1. </a:t>
-            </a:r>
-            <a:r>
-              <a:rPr lang="en-US" dirty="0">
-                <a:solidFill>
-                  <a:schemeClr val="tx1"/>
-                </a:solidFill>
-                <a:latin typeface="Roboto" panose="02000000000000000000" pitchFamily="2" charset="0"/>
-                <a:ea typeface="Roboto" panose="02000000000000000000" pitchFamily="2" charset="0"/>
-              </a:rPr>
-              <a:t>Introduction</a:t>
-            </a:r>
-            <a:endParaRPr lang="en-US" dirty="0">
-              <a:latin typeface="Roboto" panose="02000000000000000000" pitchFamily="2" charset="0"/>
-              <a:ea typeface="Roboto" panose="02000000000000000000" pitchFamily="2" charset="0"/>
-            </a:endParaRPr>
-          </a:p>
-        </p:txBody>
-      </p:sp>
-      <p:grpSp>
-        <p:nvGrpSpPr>
-          <p:cNvPr id="5" name="Group 35">
-            <a:extLst>
-              <a:ext uri="{FF2B5EF4-FFF2-40B4-BE49-F238E27FC236}">
-                <a16:creationId xmlns:a16="http://schemas.microsoft.com/office/drawing/2014/main" id="{766240ED-FCC3-4E5B-8990-E87DFCBD177E}"/>
-              </a:ext>
-            </a:extLst>
-          </p:cNvPr>
-          <p:cNvGrpSpPr/>
-          <p:nvPr/>
-        </p:nvGrpSpPr>
-        <p:grpSpPr>
-          <a:xfrm>
-            <a:off x="1720305" y="1161887"/>
-            <a:ext cx="9566375" cy="84056"/>
-            <a:chOff x="3632040" y="5304907"/>
-            <a:chExt cx="8559959" cy="137006"/>
-          </a:xfrm>
-        </p:grpSpPr>
-        <p:grpSp>
-          <p:nvGrpSpPr>
-            <p:cNvPr id="6" name="Group 26">
-              <a:extLst>
-                <a:ext uri="{FF2B5EF4-FFF2-40B4-BE49-F238E27FC236}">
-                  <a16:creationId xmlns:a16="http://schemas.microsoft.com/office/drawing/2014/main" id="{C301B9B2-918C-4F8D-AF5F-615F354E9510}"/>
-                </a:ext>
-              </a:extLst>
-            </p:cNvPr>
-            <p:cNvGrpSpPr/>
-            <p:nvPr/>
-          </p:nvGrpSpPr>
-          <p:grpSpPr>
-            <a:xfrm>
-              <a:off x="3632040" y="5310936"/>
-              <a:ext cx="4279981" cy="130977"/>
-              <a:chOff x="11445923" y="0"/>
-              <a:chExt cx="1119115" cy="2552282"/>
-            </a:xfrm>
-          </p:grpSpPr>
-          <p:sp>
-            <p:nvSpPr>
-              <p:cNvPr id="11" name="Rectangle 27">
-                <a:extLst>
-                  <a:ext uri="{FF2B5EF4-FFF2-40B4-BE49-F238E27FC236}">
-                    <a16:creationId xmlns:a16="http://schemas.microsoft.com/office/drawing/2014/main" id="{AB013EFC-A9CD-46F5-8414-B41838C22712}"/>
-                  </a:ext>
-                </a:extLst>
-              </p:cNvPr>
-              <p:cNvSpPr/>
-              <p:nvPr/>
-            </p:nvSpPr>
-            <p:spPr>
-              <a:xfrm>
-                <a:off x="11818961" y="0"/>
-                <a:ext cx="373038" cy="2552282"/>
-              </a:xfrm>
-              <a:prstGeom prst="rect">
-                <a:avLst/>
-              </a:prstGeom>
-              <a:solidFill>
-                <a:schemeClr val="accent3"/>
-              </a:solidFill>
-              <a:ln>
-                <a:noFill/>
-              </a:ln>
-            </p:spPr>
-            <p:style>
-              <a:lnRef idx="2">
-                <a:schemeClr val="accent1">
-                  <a:shade val="50000"/>
-                </a:schemeClr>
-              </a:lnRef>
-              <a:fillRef idx="1">
-                <a:schemeClr val="accent1"/>
-              </a:fillRef>
-              <a:effectRef idx="0">
-                <a:schemeClr val="accent1"/>
-              </a:effectRef>
-              <a:fontRef idx="minor">
-                <a:schemeClr val="lt1"/>
-              </a:fontRef>
-            </p:style>
-            <p:txBody>
-              <a:bodyPr rot="0" spcFirstLastPara="0" vertOverflow="overflow" horzOverflow="overflow" vert="horz" wrap="square" lIns="91440" tIns="45720" rIns="91440" bIns="45720" numCol="1" spcCol="0" rtlCol="0" fromWordArt="0" anchor="ctr" anchorCtr="0" forceAA="0" compatLnSpc="1">
-                <a:prstTxWarp prst="textNoShape">
-                  <a:avLst/>
-                </a:prstTxWarp>
-                <a:noAutofit/>
-              </a:bodyPr>
-              <a:lstStyle/>
-              <a:p>
-                <a:pPr algn="ctr"/>
-                <a:endParaRPr lang="en-US" dirty="0"/>
-              </a:p>
-            </p:txBody>
-          </p:sp>
-          <p:sp>
-            <p:nvSpPr>
-              <p:cNvPr id="12" name="Rectangle 28">
-                <a:extLst>
-                  <a:ext uri="{FF2B5EF4-FFF2-40B4-BE49-F238E27FC236}">
-                    <a16:creationId xmlns:a16="http://schemas.microsoft.com/office/drawing/2014/main" id="{F4F7FE2E-68E8-4B0B-A88C-10088721CA13}"/>
-                  </a:ext>
-                </a:extLst>
-              </p:cNvPr>
-              <p:cNvSpPr/>
-              <p:nvPr/>
-            </p:nvSpPr>
-            <p:spPr>
-              <a:xfrm>
-                <a:off x="11445923" y="0"/>
-                <a:ext cx="373038" cy="2552282"/>
-              </a:xfrm>
-              <a:prstGeom prst="rect">
-                <a:avLst/>
-              </a:prstGeom>
-              <a:solidFill>
-                <a:schemeClr val="accent2"/>
-              </a:solidFill>
-              <a:ln>
-                <a:noFill/>
-              </a:ln>
-            </p:spPr>
-            <p:style>
-              <a:lnRef idx="2">
-                <a:schemeClr val="accent1">
-                  <a:shade val="50000"/>
-                </a:schemeClr>
-              </a:lnRef>
-              <a:fillRef idx="1">
-                <a:schemeClr val="accent1"/>
-              </a:fillRef>
-              <a:effectRef idx="0">
-                <a:schemeClr val="accent1"/>
-              </a:effectRef>
-              <a:fontRef idx="minor">
-                <a:schemeClr val="lt1"/>
-              </a:fontRef>
-            </p:style>
-            <p:txBody>
-              <a:bodyPr rot="0" spcFirstLastPara="0" vertOverflow="overflow" horzOverflow="overflow" vert="horz" wrap="square" lIns="91440" tIns="45720" rIns="91440" bIns="45720" numCol="1" spcCol="0" rtlCol="0" fromWordArt="0" anchor="ctr" anchorCtr="0" forceAA="0" compatLnSpc="1">
-                <a:prstTxWarp prst="textNoShape">
-                  <a:avLst/>
-                </a:prstTxWarp>
-                <a:noAutofit/>
-              </a:bodyPr>
-              <a:lstStyle/>
-              <a:p>
-                <a:pPr algn="ctr"/>
-                <a:endParaRPr lang="en-US" dirty="0"/>
-              </a:p>
-            </p:txBody>
-          </p:sp>
-          <p:sp>
-            <p:nvSpPr>
-              <p:cNvPr id="13" name="Rectangle 29">
-                <a:extLst>
-                  <a:ext uri="{FF2B5EF4-FFF2-40B4-BE49-F238E27FC236}">
-                    <a16:creationId xmlns:a16="http://schemas.microsoft.com/office/drawing/2014/main" id="{11CB9A7A-E0CF-4027-9442-853F6E38ED9E}"/>
-                  </a:ext>
-                </a:extLst>
-              </p:cNvPr>
-              <p:cNvSpPr/>
-              <p:nvPr/>
-            </p:nvSpPr>
-            <p:spPr>
-              <a:xfrm>
-                <a:off x="12192000" y="0"/>
-                <a:ext cx="373038" cy="2552282"/>
-              </a:xfrm>
-              <a:prstGeom prst="rect">
-                <a:avLst/>
-              </a:prstGeom>
-              <a:solidFill>
-                <a:schemeClr val="accent1"/>
-              </a:solidFill>
-              <a:ln>
-                <a:noFill/>
-              </a:ln>
-            </p:spPr>
-            <p:style>
-              <a:lnRef idx="2">
-                <a:schemeClr val="accent1">
-                  <a:shade val="50000"/>
-                </a:schemeClr>
-              </a:lnRef>
-              <a:fillRef idx="1">
-                <a:schemeClr val="accent1"/>
-              </a:fillRef>
-              <a:effectRef idx="0">
-                <a:schemeClr val="accent1"/>
-              </a:effectRef>
-              <a:fontRef idx="minor">
-                <a:schemeClr val="lt1"/>
-              </a:fontRef>
-            </p:style>
-            <p:txBody>
-              <a:bodyPr rot="0" spcFirstLastPara="0" vertOverflow="overflow" horzOverflow="overflow" vert="horz" wrap="square" lIns="91440" tIns="45720" rIns="91440" bIns="45720" numCol="1" spcCol="0" rtlCol="0" fromWordArt="0" anchor="ctr" anchorCtr="0" forceAA="0" compatLnSpc="1">
-                <a:prstTxWarp prst="textNoShape">
-                  <a:avLst/>
-                </a:prstTxWarp>
-                <a:noAutofit/>
-              </a:bodyPr>
-              <a:lstStyle/>
-              <a:p>
-                <a:pPr algn="ctr"/>
-                <a:endParaRPr lang="en-US" dirty="0"/>
-              </a:p>
-            </p:txBody>
-          </p:sp>
-        </p:grpSp>
-        <p:grpSp>
-          <p:nvGrpSpPr>
-            <p:cNvPr id="7" name="Group 30">
-              <a:extLst>
-                <a:ext uri="{FF2B5EF4-FFF2-40B4-BE49-F238E27FC236}">
-                  <a16:creationId xmlns:a16="http://schemas.microsoft.com/office/drawing/2014/main" id="{8F50BF24-74CA-401C-A602-239431EEBF34}"/>
-                </a:ext>
-              </a:extLst>
-            </p:cNvPr>
-            <p:cNvGrpSpPr/>
-            <p:nvPr/>
-          </p:nvGrpSpPr>
-          <p:grpSpPr>
-            <a:xfrm>
-              <a:off x="7912018" y="5304907"/>
-              <a:ext cx="4279981" cy="137006"/>
-              <a:chOff x="11445923" y="0"/>
-              <a:chExt cx="1119115" cy="2552282"/>
-            </a:xfrm>
-          </p:grpSpPr>
-          <p:sp>
-            <p:nvSpPr>
-              <p:cNvPr id="8" name="Rectangle 31">
-                <a:extLst>
-                  <a:ext uri="{FF2B5EF4-FFF2-40B4-BE49-F238E27FC236}">
-                    <a16:creationId xmlns:a16="http://schemas.microsoft.com/office/drawing/2014/main" id="{6F0A7389-7F75-427C-AED5-1AB87E039C64}"/>
-                  </a:ext>
-                </a:extLst>
-              </p:cNvPr>
-              <p:cNvSpPr/>
-              <p:nvPr/>
-            </p:nvSpPr>
-            <p:spPr>
-              <a:xfrm>
-                <a:off x="11818961" y="0"/>
-                <a:ext cx="373038" cy="2552282"/>
-              </a:xfrm>
-              <a:prstGeom prst="rect">
-                <a:avLst/>
-              </a:prstGeom>
-              <a:solidFill>
-                <a:schemeClr val="accent3"/>
-              </a:solidFill>
-              <a:ln>
-                <a:noFill/>
-              </a:ln>
-            </p:spPr>
-            <p:style>
-              <a:lnRef idx="2">
-                <a:schemeClr val="accent1">
-                  <a:shade val="50000"/>
-                </a:schemeClr>
-              </a:lnRef>
-              <a:fillRef idx="1">
-                <a:schemeClr val="accent1"/>
-              </a:fillRef>
-              <a:effectRef idx="0">
-                <a:schemeClr val="accent1"/>
-              </a:effectRef>
-              <a:fontRef idx="minor">
-                <a:schemeClr val="lt1"/>
-              </a:fontRef>
-            </p:style>
-            <p:txBody>
-              <a:bodyPr rot="0" spcFirstLastPara="0" vertOverflow="overflow" horzOverflow="overflow" vert="horz" wrap="square" lIns="91440" tIns="45720" rIns="91440" bIns="45720" numCol="1" spcCol="0" rtlCol="0" fromWordArt="0" anchor="ctr" anchorCtr="0" forceAA="0" compatLnSpc="1">
-                <a:prstTxWarp prst="textNoShape">
-                  <a:avLst/>
-                </a:prstTxWarp>
-                <a:noAutofit/>
-              </a:bodyPr>
-              <a:lstStyle/>
-              <a:p>
-                <a:pPr algn="ctr"/>
-                <a:endParaRPr lang="en-US" dirty="0"/>
-              </a:p>
-            </p:txBody>
-          </p:sp>
-          <p:sp>
-            <p:nvSpPr>
-              <p:cNvPr id="9" name="Rectangle 32">
-                <a:extLst>
-                  <a:ext uri="{FF2B5EF4-FFF2-40B4-BE49-F238E27FC236}">
-                    <a16:creationId xmlns:a16="http://schemas.microsoft.com/office/drawing/2014/main" id="{EE6CA4E6-E5D8-4D34-96D1-9DCD20E869D8}"/>
-                  </a:ext>
-                </a:extLst>
-              </p:cNvPr>
-              <p:cNvSpPr/>
-              <p:nvPr/>
-            </p:nvSpPr>
-            <p:spPr>
-              <a:xfrm>
-                <a:off x="11445923" y="0"/>
-                <a:ext cx="373038" cy="2552282"/>
-              </a:xfrm>
-              <a:prstGeom prst="rect">
-                <a:avLst/>
-              </a:prstGeom>
-              <a:solidFill>
-                <a:schemeClr val="accent2"/>
-              </a:solidFill>
-              <a:ln>
-                <a:noFill/>
-              </a:ln>
-            </p:spPr>
-            <p:style>
-              <a:lnRef idx="2">
-                <a:schemeClr val="accent1">
-                  <a:shade val="50000"/>
-                </a:schemeClr>
-              </a:lnRef>
-              <a:fillRef idx="1">
-                <a:schemeClr val="accent1"/>
-              </a:fillRef>
-              <a:effectRef idx="0">
-                <a:schemeClr val="accent1"/>
-              </a:effectRef>
-              <a:fontRef idx="minor">
-                <a:schemeClr val="lt1"/>
-              </a:fontRef>
-            </p:style>
-            <p:txBody>
-              <a:bodyPr rot="0" spcFirstLastPara="0" vertOverflow="overflow" horzOverflow="overflow" vert="horz" wrap="square" lIns="91440" tIns="45720" rIns="91440" bIns="45720" numCol="1" spcCol="0" rtlCol="0" fromWordArt="0" anchor="ctr" anchorCtr="0" forceAA="0" compatLnSpc="1">
-                <a:prstTxWarp prst="textNoShape">
-                  <a:avLst/>
-                </a:prstTxWarp>
-                <a:noAutofit/>
-              </a:bodyPr>
-              <a:lstStyle/>
-              <a:p>
-                <a:pPr algn="ctr"/>
-                <a:endParaRPr lang="en-US" dirty="0"/>
-              </a:p>
-            </p:txBody>
-          </p:sp>
-          <p:sp>
-            <p:nvSpPr>
-              <p:cNvPr id="10" name="Rectangle 33">
-                <a:extLst>
-                  <a:ext uri="{FF2B5EF4-FFF2-40B4-BE49-F238E27FC236}">
-                    <a16:creationId xmlns:a16="http://schemas.microsoft.com/office/drawing/2014/main" id="{4F4FBEE1-B424-4EDC-A7CC-0CD8ADBC50E7}"/>
-                  </a:ext>
-                </a:extLst>
-              </p:cNvPr>
-              <p:cNvSpPr/>
-              <p:nvPr/>
-            </p:nvSpPr>
-            <p:spPr>
-              <a:xfrm>
-                <a:off x="12192000" y="0"/>
-                <a:ext cx="373038" cy="2552282"/>
-              </a:xfrm>
-              <a:prstGeom prst="rect">
-                <a:avLst/>
-              </a:prstGeom>
-              <a:solidFill>
-                <a:schemeClr val="accent1"/>
-              </a:solidFill>
-              <a:ln>
-                <a:noFill/>
-              </a:ln>
-            </p:spPr>
-            <p:style>
-              <a:lnRef idx="2">
-                <a:schemeClr val="accent1">
-                  <a:shade val="50000"/>
-                </a:schemeClr>
-              </a:lnRef>
-              <a:fillRef idx="1">
-                <a:schemeClr val="accent1"/>
-              </a:fillRef>
-              <a:effectRef idx="0">
-                <a:schemeClr val="accent1"/>
-              </a:effectRef>
-              <a:fontRef idx="minor">
-                <a:schemeClr val="lt1"/>
-              </a:fontRef>
-            </p:style>
-            <p:txBody>
-              <a:bodyPr rot="0" spcFirstLastPara="0" vertOverflow="overflow" horzOverflow="overflow" vert="horz" wrap="square" lIns="91440" tIns="45720" rIns="91440" bIns="45720" numCol="1" spcCol="0" rtlCol="0" fromWordArt="0" anchor="ctr" anchorCtr="0" forceAA="0" compatLnSpc="1">
-                <a:prstTxWarp prst="textNoShape">
-                  <a:avLst/>
-                </a:prstTxWarp>
-                <a:noAutofit/>
-              </a:bodyPr>
-              <a:lstStyle/>
-              <a:p>
-                <a:pPr algn="ctr"/>
-                <a:endParaRPr lang="en-US" dirty="0"/>
-              </a:p>
-            </p:txBody>
-          </p:sp>
-        </p:grpSp>
-      </p:grpSp>
       <p:sp>
         <p:nvSpPr>
           <p:cNvPr id="14" name="TextBox 9">
@@ -10485,27 +9118,6 @@
                 <a:ea typeface="Roboto" panose="02000000000000000000" pitchFamily="2" charset="0"/>
               </a:rPr>
               <a:t>Demo </a:t>
-            </a:r>
-          </a:p>
-          <a:p>
-            <a:pPr marL="742913" indent="-742913" algn="l">
-              <a:lnSpc>
-                <a:spcPct val="120000"/>
-              </a:lnSpc>
-              <a:buFont typeface="Arial" panose="020B0604020202020204" pitchFamily="34" charset="0"/>
-              <a:buAutoNum type="arabicPeriod"/>
-            </a:pPr>
-            <a:r>
-              <a:rPr lang="en-US" sz="4600" dirty="0">
-                <a:solidFill>
-                  <a:schemeClr val="bg2">
-                    <a:lumMod val="75000"/>
-                  </a:schemeClr>
-                </a:solidFill>
-                <a:latin typeface="Roboto" panose="02000000000000000000" pitchFamily="2" charset="0"/>
-                <a:ea typeface="Roboto" panose="02000000000000000000" pitchFamily="2" charset="0"/>
-              </a:rPr>
-              <a:t>Conclusions</a:t>
             </a:r>
           </a:p>
         </p:txBody>
